--- a/Figures_Q1_Q4.pptx
+++ b/Figures_Q1_Q4.pptx
@@ -6,6 +6,8 @@
   </p:sldMasterIdLst>
   <p:sldIdLst>
     <p:sldId id="256" r:id="rId2"/>
+    <p:sldId id="257" r:id="rId3"/>
+    <p:sldId id="258" r:id="rId4"/>
   </p:sldIdLst>
   <p:sldSz cx="12192000" cy="6858000"/>
   <p:notesSz cx="6858000" cy="9144000"/>
@@ -104,6 +106,11 @@
       </a:defRPr>
     </a:lvl9pPr>
   </p:defaultTextStyle>
+  <p:extLst>
+    <p:ext uri="{EFAFB233-063F-42B5-8137-9DF3F51BA10A}">
+      <p15:sldGuideLst xmlns:p15="http://schemas.microsoft.com/office/powerpoint/2012/main"/>
+    </p:ext>
+  </p:extLst>
 </p:presentation>
 </file>
 
@@ -238,7 +245,7 @@
           <a:p>
             <a:fld id="{6624FBAC-DD14-4092-A779-9E9C9DF9F1E8}" type="datetimeFigureOut">
               <a:rPr lang="en-GB" smtClean="0"/>
-              <a:t>08/04/2017</a:t>
+              <a:t>11/04/2017</a:t>
             </a:fld>
             <a:endParaRPr lang="en-GB"/>
           </a:p>
@@ -408,7 +415,7 @@
           <a:p>
             <a:fld id="{6624FBAC-DD14-4092-A779-9E9C9DF9F1E8}" type="datetimeFigureOut">
               <a:rPr lang="en-GB" smtClean="0"/>
-              <a:t>08/04/2017</a:t>
+              <a:t>11/04/2017</a:t>
             </a:fld>
             <a:endParaRPr lang="en-GB"/>
           </a:p>
@@ -588,7 +595,7 @@
           <a:p>
             <a:fld id="{6624FBAC-DD14-4092-A779-9E9C9DF9F1E8}" type="datetimeFigureOut">
               <a:rPr lang="en-GB" smtClean="0"/>
-              <a:t>08/04/2017</a:t>
+              <a:t>11/04/2017</a:t>
             </a:fld>
             <a:endParaRPr lang="en-GB"/>
           </a:p>
@@ -758,7 +765,7 @@
           <a:p>
             <a:fld id="{6624FBAC-DD14-4092-A779-9E9C9DF9F1E8}" type="datetimeFigureOut">
               <a:rPr lang="en-GB" smtClean="0"/>
-              <a:t>08/04/2017</a:t>
+              <a:t>11/04/2017</a:t>
             </a:fld>
             <a:endParaRPr lang="en-GB"/>
           </a:p>
@@ -1004,7 +1011,7 @@
           <a:p>
             <a:fld id="{6624FBAC-DD14-4092-A779-9E9C9DF9F1E8}" type="datetimeFigureOut">
               <a:rPr lang="en-GB" smtClean="0"/>
-              <a:t>08/04/2017</a:t>
+              <a:t>11/04/2017</a:t>
             </a:fld>
             <a:endParaRPr lang="en-GB"/>
           </a:p>
@@ -1236,7 +1243,7 @@
           <a:p>
             <a:fld id="{6624FBAC-DD14-4092-A779-9E9C9DF9F1E8}" type="datetimeFigureOut">
               <a:rPr lang="en-GB" smtClean="0"/>
-              <a:t>08/04/2017</a:t>
+              <a:t>11/04/2017</a:t>
             </a:fld>
             <a:endParaRPr lang="en-GB"/>
           </a:p>
@@ -1603,7 +1610,7 @@
           <a:p>
             <a:fld id="{6624FBAC-DD14-4092-A779-9E9C9DF9F1E8}" type="datetimeFigureOut">
               <a:rPr lang="en-GB" smtClean="0"/>
-              <a:t>08/04/2017</a:t>
+              <a:t>11/04/2017</a:t>
             </a:fld>
             <a:endParaRPr lang="en-GB"/>
           </a:p>
@@ -1721,7 +1728,7 @@
           <a:p>
             <a:fld id="{6624FBAC-DD14-4092-A779-9E9C9DF9F1E8}" type="datetimeFigureOut">
               <a:rPr lang="en-GB" smtClean="0"/>
-              <a:t>08/04/2017</a:t>
+              <a:t>11/04/2017</a:t>
             </a:fld>
             <a:endParaRPr lang="en-GB"/>
           </a:p>
@@ -1816,7 +1823,7 @@
           <a:p>
             <a:fld id="{6624FBAC-DD14-4092-A779-9E9C9DF9F1E8}" type="datetimeFigureOut">
               <a:rPr lang="en-GB" smtClean="0"/>
-              <a:t>08/04/2017</a:t>
+              <a:t>11/04/2017</a:t>
             </a:fld>
             <a:endParaRPr lang="en-GB"/>
           </a:p>
@@ -2093,7 +2100,7 @@
           <a:p>
             <a:fld id="{6624FBAC-DD14-4092-A779-9E9C9DF9F1E8}" type="datetimeFigureOut">
               <a:rPr lang="en-GB" smtClean="0"/>
-              <a:t>08/04/2017</a:t>
+              <a:t>11/04/2017</a:t>
             </a:fld>
             <a:endParaRPr lang="en-GB"/>
           </a:p>
@@ -2346,7 +2353,7 @@
           <a:p>
             <a:fld id="{6624FBAC-DD14-4092-A779-9E9C9DF9F1E8}" type="datetimeFigureOut">
               <a:rPr lang="en-GB" smtClean="0"/>
-              <a:t>08/04/2017</a:t>
+              <a:t>11/04/2017</a:t>
             </a:fld>
             <a:endParaRPr lang="en-GB"/>
           </a:p>
@@ -2559,7 +2566,7 @@
           <a:p>
             <a:fld id="{6624FBAC-DD14-4092-A779-9E9C9DF9F1E8}" type="datetimeFigureOut">
               <a:rPr lang="en-GB" smtClean="0"/>
-              <a:t>08/04/2017</a:t>
+              <a:t>11/04/2017</a:t>
             </a:fld>
             <a:endParaRPr lang="en-GB"/>
           </a:p>
@@ -3542,6 +3549,3073 @@
 </p:sld>
 </file>
 
+<file path=ppt/slides/slide2.xml><?xml version="1.0" encoding="utf-8"?>
+<p:sld xmlns:a="http://schemas.openxmlformats.org/drawingml/2006/main" xmlns:r="http://schemas.openxmlformats.org/officeDocument/2006/relationships" xmlns:p="http://schemas.openxmlformats.org/presentationml/2006/main">
+  <p:cSld>
+    <p:spTree>
+      <p:nvGrpSpPr>
+        <p:cNvPr id="1" name=""/>
+        <p:cNvGrpSpPr/>
+        <p:nvPr/>
+      </p:nvGrpSpPr>
+      <p:grpSpPr>
+        <a:xfrm>
+          <a:off x="0" y="0"/>
+          <a:ext cx="0" cy="0"/>
+          <a:chOff x="0" y="0"/>
+          <a:chExt cx="0" cy="0"/>
+        </a:xfrm>
+      </p:grpSpPr>
+      <p:grpSp>
+        <p:nvGrpSpPr>
+          <p:cNvPr id="123" name="Groep 122"/>
+          <p:cNvGrpSpPr/>
+          <p:nvPr/>
+        </p:nvGrpSpPr>
+        <p:grpSpPr>
+          <a:xfrm>
+            <a:off x="1221189" y="126738"/>
+            <a:ext cx="11033259" cy="4933813"/>
+            <a:chOff x="1221189" y="126738"/>
+            <a:chExt cx="11033259" cy="4933813"/>
+          </a:xfrm>
+        </p:grpSpPr>
+        <p:sp>
+          <p:nvSpPr>
+            <p:cNvPr id="24" name="Rechthoek 23"/>
+            <p:cNvSpPr/>
+            <p:nvPr/>
+          </p:nvSpPr>
+          <p:spPr>
+            <a:xfrm>
+              <a:off x="3299791" y="2018715"/>
+              <a:ext cx="4518992" cy="410817"/>
+            </a:xfrm>
+            <a:prstGeom prst="rect">
+              <a:avLst/>
+            </a:prstGeom>
+            <a:noFill/>
+            <a:ln>
+              <a:solidFill>
+                <a:schemeClr val="tx1"/>
+              </a:solidFill>
+            </a:ln>
+          </p:spPr>
+          <p:style>
+            <a:lnRef idx="2">
+              <a:schemeClr val="accent1">
+                <a:shade val="50000"/>
+              </a:schemeClr>
+            </a:lnRef>
+            <a:fillRef idx="1">
+              <a:schemeClr val="accent1"/>
+            </a:fillRef>
+            <a:effectRef idx="0">
+              <a:schemeClr val="accent1"/>
+            </a:effectRef>
+            <a:fontRef idx="minor">
+              <a:schemeClr val="lt1"/>
+            </a:fontRef>
+          </p:style>
+          <p:txBody>
+            <a:bodyPr rtlCol="0" anchor="ctr"/>
+            <a:lstStyle/>
+            <a:p>
+              <a:pPr algn="ctr"/>
+              <a:r>
+                <a:rPr lang="en-US" dirty="0">
+                  <a:solidFill>
+                    <a:schemeClr val="tx1"/>
+                  </a:solidFill>
+                </a:rPr>
+                <a:t>Average Pooling</a:t>
+              </a:r>
+              <a:endParaRPr lang="en-GB" dirty="0">
+                <a:solidFill>
+                  <a:schemeClr val="tx1"/>
+                </a:solidFill>
+              </a:endParaRPr>
+            </a:p>
+          </p:txBody>
+        </p:sp>
+        <p:sp>
+          <p:nvSpPr>
+            <p:cNvPr id="13" name="Rechthoek 12"/>
+            <p:cNvSpPr/>
+            <p:nvPr/>
+          </p:nvSpPr>
+          <p:spPr>
+            <a:xfrm>
+              <a:off x="3296733" y="154745"/>
+              <a:ext cx="484418" cy="478302"/>
+            </a:xfrm>
+            <a:prstGeom prst="rect">
+              <a:avLst/>
+            </a:prstGeom>
+          </p:spPr>
+          <p:style>
+            <a:lnRef idx="2">
+              <a:schemeClr val="accent1">
+                <a:shade val="50000"/>
+              </a:schemeClr>
+            </a:lnRef>
+            <a:fillRef idx="1">
+              <a:schemeClr val="accent1"/>
+            </a:fillRef>
+            <a:effectRef idx="0">
+              <a:schemeClr val="accent1"/>
+            </a:effectRef>
+            <a:fontRef idx="minor">
+              <a:schemeClr val="lt1"/>
+            </a:fontRef>
+          </p:style>
+          <p:txBody>
+            <a:bodyPr rtlCol="0" anchor="ctr"/>
+            <a:lstStyle/>
+            <a:p>
+              <a:pPr algn="ctr"/>
+              <a:r>
+                <a:rPr lang="en-US" dirty="0"/>
+                <a:t>I</a:t>
+              </a:r>
+              <a:r>
+                <a:rPr lang="en-US" sz="1100" dirty="0"/>
+                <a:t>1</a:t>
+              </a:r>
+              <a:endParaRPr lang="en-GB" dirty="0"/>
+            </a:p>
+          </p:txBody>
+        </p:sp>
+        <p:sp>
+          <p:nvSpPr>
+            <p:cNvPr id="25" name="Rechthoek 24"/>
+            <p:cNvSpPr/>
+            <p:nvPr/>
+          </p:nvSpPr>
+          <p:spPr>
+            <a:xfrm>
+              <a:off x="4128562" y="169580"/>
+              <a:ext cx="484418" cy="478302"/>
+            </a:xfrm>
+            <a:prstGeom prst="rect">
+              <a:avLst/>
+            </a:prstGeom>
+          </p:spPr>
+          <p:style>
+            <a:lnRef idx="2">
+              <a:schemeClr val="accent1">
+                <a:shade val="50000"/>
+              </a:schemeClr>
+            </a:lnRef>
+            <a:fillRef idx="1">
+              <a:schemeClr val="accent1"/>
+            </a:fillRef>
+            <a:effectRef idx="0">
+              <a:schemeClr val="accent1"/>
+            </a:effectRef>
+            <a:fontRef idx="minor">
+              <a:schemeClr val="lt1"/>
+            </a:fontRef>
+          </p:style>
+          <p:txBody>
+            <a:bodyPr rtlCol="0" anchor="ctr"/>
+            <a:lstStyle/>
+            <a:p>
+              <a:pPr algn="ctr"/>
+              <a:r>
+                <a:rPr lang="en-US" dirty="0"/>
+                <a:t>I</a:t>
+              </a:r>
+              <a:r>
+                <a:rPr lang="en-US" sz="1100" dirty="0"/>
+                <a:t>2</a:t>
+              </a:r>
+              <a:endParaRPr lang="en-GB" dirty="0"/>
+            </a:p>
+          </p:txBody>
+        </p:sp>
+        <p:sp>
+          <p:nvSpPr>
+            <p:cNvPr id="26" name="Rechthoek 25"/>
+            <p:cNvSpPr/>
+            <p:nvPr/>
+          </p:nvSpPr>
+          <p:spPr>
+            <a:xfrm>
+              <a:off x="6502536" y="169580"/>
+              <a:ext cx="484418" cy="478302"/>
+            </a:xfrm>
+            <a:prstGeom prst="rect">
+              <a:avLst/>
+            </a:prstGeom>
+          </p:spPr>
+          <p:style>
+            <a:lnRef idx="2">
+              <a:schemeClr val="accent1">
+                <a:shade val="50000"/>
+              </a:schemeClr>
+            </a:lnRef>
+            <a:fillRef idx="1">
+              <a:schemeClr val="accent1"/>
+            </a:fillRef>
+            <a:effectRef idx="0">
+              <a:schemeClr val="accent1"/>
+            </a:effectRef>
+            <a:fontRef idx="minor">
+              <a:schemeClr val="lt1"/>
+            </a:fontRef>
+          </p:style>
+          <p:txBody>
+            <a:bodyPr rtlCol="0" anchor="ctr"/>
+            <a:lstStyle/>
+            <a:p>
+              <a:pPr algn="ctr"/>
+              <a:r>
+                <a:rPr lang="en-US" dirty="0"/>
+                <a:t>I</a:t>
+              </a:r>
+              <a:r>
+                <a:rPr lang="en-US" sz="900" dirty="0"/>
+                <a:t>(n-1)</a:t>
+              </a:r>
+              <a:endParaRPr lang="en-GB" sz="900" dirty="0"/>
+            </a:p>
+          </p:txBody>
+        </p:sp>
+        <p:sp>
+          <p:nvSpPr>
+            <p:cNvPr id="27" name="Rechthoek 26"/>
+            <p:cNvSpPr/>
+            <p:nvPr/>
+          </p:nvSpPr>
+          <p:spPr>
+            <a:xfrm>
+              <a:off x="7334365" y="169580"/>
+              <a:ext cx="484418" cy="478302"/>
+            </a:xfrm>
+            <a:prstGeom prst="rect">
+              <a:avLst/>
+            </a:prstGeom>
+          </p:spPr>
+          <p:style>
+            <a:lnRef idx="2">
+              <a:schemeClr val="accent1">
+                <a:shade val="50000"/>
+              </a:schemeClr>
+            </a:lnRef>
+            <a:fillRef idx="1">
+              <a:schemeClr val="accent1"/>
+            </a:fillRef>
+            <a:effectRef idx="0">
+              <a:schemeClr val="accent1"/>
+            </a:effectRef>
+            <a:fontRef idx="minor">
+              <a:schemeClr val="lt1"/>
+            </a:fontRef>
+          </p:style>
+          <p:txBody>
+            <a:bodyPr rtlCol="0" anchor="ctr"/>
+            <a:lstStyle/>
+            <a:p>
+              <a:pPr algn="ctr"/>
+              <a:r>
+                <a:rPr lang="en-US" dirty="0"/>
+                <a:t>I</a:t>
+              </a:r>
+              <a:r>
+                <a:rPr lang="en-US" sz="1200" dirty="0"/>
+                <a:t>n</a:t>
+              </a:r>
+              <a:endParaRPr lang="en-GB" dirty="0"/>
+            </a:p>
+          </p:txBody>
+        </p:sp>
+        <p:sp>
+          <p:nvSpPr>
+            <p:cNvPr id="28" name="Rechthoek 27"/>
+            <p:cNvSpPr/>
+            <p:nvPr/>
+          </p:nvSpPr>
+          <p:spPr>
+            <a:xfrm>
+              <a:off x="5317078" y="126738"/>
+              <a:ext cx="484418" cy="478302"/>
+            </a:xfrm>
+            <a:prstGeom prst="rect">
+              <a:avLst/>
+            </a:prstGeom>
+            <a:ln>
+              <a:noFill/>
+            </a:ln>
+          </p:spPr>
+          <p:style>
+            <a:lnRef idx="2">
+              <a:schemeClr val="accent6"/>
+            </a:lnRef>
+            <a:fillRef idx="1">
+              <a:schemeClr val="lt1"/>
+            </a:fillRef>
+            <a:effectRef idx="0">
+              <a:schemeClr val="accent6"/>
+            </a:effectRef>
+            <a:fontRef idx="minor">
+              <a:schemeClr val="dk1"/>
+            </a:fontRef>
+          </p:style>
+          <p:txBody>
+            <a:bodyPr rtlCol="0" anchor="ctr"/>
+            <a:lstStyle/>
+            <a:p>
+              <a:pPr algn="ctr"/>
+              <a:r>
+                <a:rPr lang="en-US" dirty="0"/>
+                <a:t>….</a:t>
+              </a:r>
+              <a:endParaRPr lang="en-GB" dirty="0"/>
+            </a:p>
+          </p:txBody>
+        </p:sp>
+        <p:sp>
+          <p:nvSpPr>
+            <p:cNvPr id="29" name="Rechthoek 28"/>
+            <p:cNvSpPr/>
+            <p:nvPr/>
+          </p:nvSpPr>
+          <p:spPr>
+            <a:xfrm>
+              <a:off x="3296733" y="956093"/>
+              <a:ext cx="484418" cy="731264"/>
+            </a:xfrm>
+            <a:prstGeom prst="rect">
+              <a:avLst/>
+            </a:prstGeom>
+          </p:spPr>
+          <p:style>
+            <a:lnRef idx="2">
+              <a:schemeClr val="accent6"/>
+            </a:lnRef>
+            <a:fillRef idx="1">
+              <a:schemeClr val="lt1"/>
+            </a:fillRef>
+            <a:effectRef idx="0">
+              <a:schemeClr val="accent6"/>
+            </a:effectRef>
+            <a:fontRef idx="minor">
+              <a:schemeClr val="dk1"/>
+            </a:fontRef>
+          </p:style>
+          <p:txBody>
+            <a:bodyPr rtlCol="0" anchor="ctr"/>
+            <a:lstStyle/>
+            <a:p>
+              <a:pPr algn="ctr"/>
+              <a:r>
+                <a:rPr lang="en-US" sz="1200" b="1" dirty="0"/>
+                <a:t>CNN</a:t>
+              </a:r>
+              <a:endParaRPr lang="en-GB" sz="1200" b="1" dirty="0"/>
+            </a:p>
+          </p:txBody>
+        </p:sp>
+        <p:sp>
+          <p:nvSpPr>
+            <p:cNvPr id="33" name="Rechthoek 32"/>
+            <p:cNvSpPr/>
+            <p:nvPr/>
+          </p:nvSpPr>
+          <p:spPr>
+            <a:xfrm>
+              <a:off x="5317078" y="964405"/>
+              <a:ext cx="484418" cy="722952"/>
+            </a:xfrm>
+            <a:prstGeom prst="rect">
+              <a:avLst/>
+            </a:prstGeom>
+            <a:ln>
+              <a:noFill/>
+            </a:ln>
+          </p:spPr>
+          <p:style>
+            <a:lnRef idx="2">
+              <a:schemeClr val="accent6"/>
+            </a:lnRef>
+            <a:fillRef idx="1">
+              <a:schemeClr val="lt1"/>
+            </a:fillRef>
+            <a:effectRef idx="0">
+              <a:schemeClr val="accent6"/>
+            </a:effectRef>
+            <a:fontRef idx="minor">
+              <a:schemeClr val="dk1"/>
+            </a:fontRef>
+          </p:style>
+          <p:txBody>
+            <a:bodyPr rtlCol="0" anchor="ctr"/>
+            <a:lstStyle/>
+            <a:p>
+              <a:pPr algn="ctr"/>
+              <a:r>
+                <a:rPr lang="en-US" dirty="0"/>
+                <a:t>….</a:t>
+              </a:r>
+              <a:endParaRPr lang="en-GB" dirty="0"/>
+            </a:p>
+          </p:txBody>
+        </p:sp>
+        <p:sp>
+          <p:nvSpPr>
+            <p:cNvPr id="34" name="Rechthoek 33"/>
+            <p:cNvSpPr/>
+            <p:nvPr/>
+          </p:nvSpPr>
+          <p:spPr>
+            <a:xfrm>
+              <a:off x="4128562" y="970162"/>
+              <a:ext cx="484418" cy="731264"/>
+            </a:xfrm>
+            <a:prstGeom prst="rect">
+              <a:avLst/>
+            </a:prstGeom>
+          </p:spPr>
+          <p:style>
+            <a:lnRef idx="2">
+              <a:schemeClr val="accent6"/>
+            </a:lnRef>
+            <a:fillRef idx="1">
+              <a:schemeClr val="lt1"/>
+            </a:fillRef>
+            <a:effectRef idx="0">
+              <a:schemeClr val="accent6"/>
+            </a:effectRef>
+            <a:fontRef idx="minor">
+              <a:schemeClr val="dk1"/>
+            </a:fontRef>
+          </p:style>
+          <p:txBody>
+            <a:bodyPr rtlCol="0" anchor="ctr"/>
+            <a:lstStyle/>
+            <a:p>
+              <a:pPr algn="ctr"/>
+              <a:r>
+                <a:rPr lang="en-US" sz="1200" b="1" dirty="0"/>
+                <a:t>CNN</a:t>
+              </a:r>
+              <a:endParaRPr lang="en-GB" sz="1200" b="1" dirty="0"/>
+            </a:p>
+          </p:txBody>
+        </p:sp>
+        <p:sp>
+          <p:nvSpPr>
+            <p:cNvPr id="35" name="Rechthoek 34"/>
+            <p:cNvSpPr/>
+            <p:nvPr/>
+          </p:nvSpPr>
+          <p:spPr>
+            <a:xfrm>
+              <a:off x="6502536" y="970928"/>
+              <a:ext cx="484418" cy="731264"/>
+            </a:xfrm>
+            <a:prstGeom prst="rect">
+              <a:avLst/>
+            </a:prstGeom>
+          </p:spPr>
+          <p:style>
+            <a:lnRef idx="2">
+              <a:schemeClr val="accent6"/>
+            </a:lnRef>
+            <a:fillRef idx="1">
+              <a:schemeClr val="lt1"/>
+            </a:fillRef>
+            <a:effectRef idx="0">
+              <a:schemeClr val="accent6"/>
+            </a:effectRef>
+            <a:fontRef idx="minor">
+              <a:schemeClr val="dk1"/>
+            </a:fontRef>
+          </p:style>
+          <p:txBody>
+            <a:bodyPr rtlCol="0" anchor="ctr"/>
+            <a:lstStyle/>
+            <a:p>
+              <a:pPr algn="ctr"/>
+              <a:r>
+                <a:rPr lang="en-US" sz="1200" b="1" dirty="0"/>
+                <a:t>CNN</a:t>
+              </a:r>
+              <a:endParaRPr lang="en-GB" sz="1200" b="1" dirty="0"/>
+            </a:p>
+          </p:txBody>
+        </p:sp>
+        <p:sp>
+          <p:nvSpPr>
+            <p:cNvPr id="36" name="Rechthoek 35"/>
+            <p:cNvSpPr/>
+            <p:nvPr/>
+          </p:nvSpPr>
+          <p:spPr>
+            <a:xfrm>
+              <a:off x="7334365" y="970162"/>
+              <a:ext cx="484418" cy="731264"/>
+            </a:xfrm>
+            <a:prstGeom prst="rect">
+              <a:avLst/>
+            </a:prstGeom>
+          </p:spPr>
+          <p:style>
+            <a:lnRef idx="2">
+              <a:schemeClr val="accent6"/>
+            </a:lnRef>
+            <a:fillRef idx="1">
+              <a:schemeClr val="lt1"/>
+            </a:fillRef>
+            <a:effectRef idx="0">
+              <a:schemeClr val="accent6"/>
+            </a:effectRef>
+            <a:fontRef idx="minor">
+              <a:schemeClr val="dk1"/>
+            </a:fontRef>
+          </p:style>
+          <p:txBody>
+            <a:bodyPr rtlCol="0" anchor="ctr"/>
+            <a:lstStyle/>
+            <a:p>
+              <a:pPr algn="ctr"/>
+              <a:r>
+                <a:rPr lang="en-US" sz="1200" b="1" dirty="0"/>
+                <a:t>CNN</a:t>
+              </a:r>
+              <a:endParaRPr lang="en-GB" sz="1200" b="1" dirty="0"/>
+            </a:p>
+          </p:txBody>
+        </p:sp>
+        <p:cxnSp>
+          <p:nvCxnSpPr>
+            <p:cNvPr id="39" name="Rechte verbindingslijn met pijl 38"/>
+            <p:cNvCxnSpPr>
+              <a:stCxn id="13" idx="2"/>
+              <a:endCxn id="29" idx="0"/>
+            </p:cNvCxnSpPr>
+            <p:nvPr/>
+          </p:nvCxnSpPr>
+          <p:spPr>
+            <a:xfrm>
+              <a:off x="3538942" y="633047"/>
+              <a:ext cx="0" cy="323046"/>
+            </a:xfrm>
+            <a:prstGeom prst="straightConnector1">
+              <a:avLst/>
+            </a:prstGeom>
+            <a:ln w="28575">
+              <a:solidFill>
+                <a:schemeClr val="tx1"/>
+              </a:solidFill>
+              <a:tailEnd type="triangle"/>
+            </a:ln>
+          </p:spPr>
+          <p:style>
+            <a:lnRef idx="1">
+              <a:schemeClr val="dk1"/>
+            </a:lnRef>
+            <a:fillRef idx="0">
+              <a:schemeClr val="dk1"/>
+            </a:fillRef>
+            <a:effectRef idx="0">
+              <a:schemeClr val="dk1"/>
+            </a:effectRef>
+            <a:fontRef idx="minor">
+              <a:schemeClr val="tx1"/>
+            </a:fontRef>
+          </p:style>
+        </p:cxnSp>
+        <p:cxnSp>
+          <p:nvCxnSpPr>
+            <p:cNvPr id="40" name="Rechte verbindingslijn met pijl 39"/>
+            <p:cNvCxnSpPr/>
+            <p:nvPr/>
+          </p:nvCxnSpPr>
+          <p:spPr>
+            <a:xfrm>
+              <a:off x="4370771" y="647882"/>
+              <a:ext cx="0" cy="323046"/>
+            </a:xfrm>
+            <a:prstGeom prst="straightConnector1">
+              <a:avLst/>
+            </a:prstGeom>
+            <a:ln w="28575">
+              <a:solidFill>
+                <a:schemeClr val="tx1"/>
+              </a:solidFill>
+              <a:tailEnd type="triangle"/>
+            </a:ln>
+          </p:spPr>
+          <p:style>
+            <a:lnRef idx="1">
+              <a:schemeClr val="dk1"/>
+            </a:lnRef>
+            <a:fillRef idx="0">
+              <a:schemeClr val="dk1"/>
+            </a:fillRef>
+            <a:effectRef idx="0">
+              <a:schemeClr val="dk1"/>
+            </a:effectRef>
+            <a:fontRef idx="minor">
+              <a:schemeClr val="tx1"/>
+            </a:fontRef>
+          </p:style>
+        </p:cxnSp>
+        <p:cxnSp>
+          <p:nvCxnSpPr>
+            <p:cNvPr id="41" name="Rechte verbindingslijn met pijl 40"/>
+            <p:cNvCxnSpPr/>
+            <p:nvPr/>
+          </p:nvCxnSpPr>
+          <p:spPr>
+            <a:xfrm>
+              <a:off x="6744745" y="666384"/>
+              <a:ext cx="0" cy="323046"/>
+            </a:xfrm>
+            <a:prstGeom prst="straightConnector1">
+              <a:avLst/>
+            </a:prstGeom>
+            <a:ln w="28575">
+              <a:solidFill>
+                <a:schemeClr val="tx1"/>
+              </a:solidFill>
+              <a:tailEnd type="triangle"/>
+            </a:ln>
+          </p:spPr>
+          <p:style>
+            <a:lnRef idx="1">
+              <a:schemeClr val="dk1"/>
+            </a:lnRef>
+            <a:fillRef idx="0">
+              <a:schemeClr val="dk1"/>
+            </a:fillRef>
+            <a:effectRef idx="0">
+              <a:schemeClr val="dk1"/>
+            </a:effectRef>
+            <a:fontRef idx="minor">
+              <a:schemeClr val="tx1"/>
+            </a:fontRef>
+          </p:style>
+        </p:cxnSp>
+        <p:cxnSp>
+          <p:nvCxnSpPr>
+            <p:cNvPr id="42" name="Rechte verbindingslijn met pijl 41"/>
+            <p:cNvCxnSpPr/>
+            <p:nvPr/>
+          </p:nvCxnSpPr>
+          <p:spPr>
+            <a:xfrm>
+              <a:off x="7576574" y="666384"/>
+              <a:ext cx="0" cy="323046"/>
+            </a:xfrm>
+            <a:prstGeom prst="straightConnector1">
+              <a:avLst/>
+            </a:prstGeom>
+            <a:ln w="28575">
+              <a:solidFill>
+                <a:schemeClr val="tx1"/>
+              </a:solidFill>
+              <a:tailEnd type="triangle"/>
+            </a:ln>
+          </p:spPr>
+          <p:style>
+            <a:lnRef idx="1">
+              <a:schemeClr val="dk1"/>
+            </a:lnRef>
+            <a:fillRef idx="0">
+              <a:schemeClr val="dk1"/>
+            </a:fillRef>
+            <a:effectRef idx="0">
+              <a:schemeClr val="dk1"/>
+            </a:effectRef>
+            <a:fontRef idx="minor">
+              <a:schemeClr val="tx1"/>
+            </a:fontRef>
+          </p:style>
+        </p:cxnSp>
+        <p:cxnSp>
+          <p:nvCxnSpPr>
+            <p:cNvPr id="44" name="Rechte verbindingslijn met pijl 43"/>
+            <p:cNvCxnSpPr/>
+            <p:nvPr/>
+          </p:nvCxnSpPr>
+          <p:spPr>
+            <a:xfrm>
+              <a:off x="3530481" y="1701426"/>
+              <a:ext cx="0" cy="323046"/>
+            </a:xfrm>
+            <a:prstGeom prst="straightConnector1">
+              <a:avLst/>
+            </a:prstGeom>
+            <a:ln w="28575">
+              <a:solidFill>
+                <a:schemeClr val="tx1"/>
+              </a:solidFill>
+              <a:tailEnd type="triangle"/>
+            </a:ln>
+          </p:spPr>
+          <p:style>
+            <a:lnRef idx="1">
+              <a:schemeClr val="dk1"/>
+            </a:lnRef>
+            <a:fillRef idx="0">
+              <a:schemeClr val="dk1"/>
+            </a:fillRef>
+            <a:effectRef idx="0">
+              <a:schemeClr val="dk1"/>
+            </a:effectRef>
+            <a:fontRef idx="minor">
+              <a:schemeClr val="tx1"/>
+            </a:fontRef>
+          </p:style>
+        </p:cxnSp>
+        <p:cxnSp>
+          <p:nvCxnSpPr>
+            <p:cNvPr id="45" name="Rechte verbindingslijn met pijl 44"/>
+            <p:cNvCxnSpPr/>
+            <p:nvPr/>
+          </p:nvCxnSpPr>
+          <p:spPr>
+            <a:xfrm>
+              <a:off x="4370771" y="1701426"/>
+              <a:ext cx="0" cy="323046"/>
+            </a:xfrm>
+            <a:prstGeom prst="straightConnector1">
+              <a:avLst/>
+            </a:prstGeom>
+            <a:ln w="28575">
+              <a:solidFill>
+                <a:schemeClr val="tx1"/>
+              </a:solidFill>
+              <a:tailEnd type="triangle"/>
+            </a:ln>
+          </p:spPr>
+          <p:style>
+            <a:lnRef idx="1">
+              <a:schemeClr val="dk1"/>
+            </a:lnRef>
+            <a:fillRef idx="0">
+              <a:schemeClr val="dk1"/>
+            </a:fillRef>
+            <a:effectRef idx="0">
+              <a:schemeClr val="dk1"/>
+            </a:effectRef>
+            <a:fontRef idx="minor">
+              <a:schemeClr val="tx1"/>
+            </a:fontRef>
+          </p:style>
+        </p:cxnSp>
+        <p:cxnSp>
+          <p:nvCxnSpPr>
+            <p:cNvPr id="46" name="Rechte verbindingslijn met pijl 45"/>
+            <p:cNvCxnSpPr/>
+            <p:nvPr/>
+          </p:nvCxnSpPr>
+          <p:spPr>
+            <a:xfrm>
+              <a:off x="6744745" y="1701426"/>
+              <a:ext cx="0" cy="323046"/>
+            </a:xfrm>
+            <a:prstGeom prst="straightConnector1">
+              <a:avLst/>
+            </a:prstGeom>
+            <a:ln w="28575">
+              <a:solidFill>
+                <a:schemeClr val="tx1"/>
+              </a:solidFill>
+              <a:tailEnd type="triangle"/>
+            </a:ln>
+          </p:spPr>
+          <p:style>
+            <a:lnRef idx="1">
+              <a:schemeClr val="dk1"/>
+            </a:lnRef>
+            <a:fillRef idx="0">
+              <a:schemeClr val="dk1"/>
+            </a:fillRef>
+            <a:effectRef idx="0">
+              <a:schemeClr val="dk1"/>
+            </a:effectRef>
+            <a:fontRef idx="minor">
+              <a:schemeClr val="tx1"/>
+            </a:fontRef>
+          </p:style>
+        </p:cxnSp>
+        <p:cxnSp>
+          <p:nvCxnSpPr>
+            <p:cNvPr id="47" name="Rechte verbindingslijn met pijl 46"/>
+            <p:cNvCxnSpPr/>
+            <p:nvPr/>
+          </p:nvCxnSpPr>
+          <p:spPr>
+            <a:xfrm>
+              <a:off x="7576574" y="1701426"/>
+              <a:ext cx="0" cy="323046"/>
+            </a:xfrm>
+            <a:prstGeom prst="straightConnector1">
+              <a:avLst/>
+            </a:prstGeom>
+            <a:ln w="28575">
+              <a:solidFill>
+                <a:schemeClr val="tx1"/>
+              </a:solidFill>
+              <a:tailEnd type="triangle"/>
+            </a:ln>
+          </p:spPr>
+          <p:style>
+            <a:lnRef idx="1">
+              <a:schemeClr val="dk1"/>
+            </a:lnRef>
+            <a:fillRef idx="0">
+              <a:schemeClr val="dk1"/>
+            </a:fillRef>
+            <a:effectRef idx="0">
+              <a:schemeClr val="dk1"/>
+            </a:effectRef>
+            <a:fontRef idx="minor">
+              <a:schemeClr val="tx1"/>
+            </a:fontRef>
+          </p:style>
+        </p:cxnSp>
+        <p:cxnSp>
+          <p:nvCxnSpPr>
+            <p:cNvPr id="48" name="Rechte verbindingslijn met pijl 47"/>
+            <p:cNvCxnSpPr/>
+            <p:nvPr/>
+          </p:nvCxnSpPr>
+          <p:spPr>
+            <a:xfrm>
+              <a:off x="5559287" y="2429532"/>
+              <a:ext cx="0" cy="323046"/>
+            </a:xfrm>
+            <a:prstGeom prst="straightConnector1">
+              <a:avLst/>
+            </a:prstGeom>
+            <a:ln w="28575">
+              <a:solidFill>
+                <a:schemeClr val="tx1"/>
+              </a:solidFill>
+              <a:tailEnd type="triangle"/>
+            </a:ln>
+          </p:spPr>
+          <p:style>
+            <a:lnRef idx="1">
+              <a:schemeClr val="dk1"/>
+            </a:lnRef>
+            <a:fillRef idx="0">
+              <a:schemeClr val="dk1"/>
+            </a:fillRef>
+            <a:effectRef idx="0">
+              <a:schemeClr val="dk1"/>
+            </a:effectRef>
+            <a:fontRef idx="minor">
+              <a:schemeClr val="tx1"/>
+            </a:fontRef>
+          </p:style>
+        </p:cxnSp>
+        <p:sp>
+          <p:nvSpPr>
+            <p:cNvPr id="49" name="Rechteraccolade 48"/>
+            <p:cNvSpPr/>
+            <p:nvPr/>
+          </p:nvSpPr>
+          <p:spPr>
+            <a:xfrm>
+              <a:off x="8723110" y="169580"/>
+              <a:ext cx="243229" cy="2259952"/>
+            </a:xfrm>
+            <a:prstGeom prst="rightBrace">
+              <a:avLst/>
+            </a:prstGeom>
+          </p:spPr>
+          <p:style>
+            <a:lnRef idx="1">
+              <a:schemeClr val="dk1"/>
+            </a:lnRef>
+            <a:fillRef idx="0">
+              <a:schemeClr val="dk1"/>
+            </a:fillRef>
+            <a:effectRef idx="0">
+              <a:schemeClr val="dk1"/>
+            </a:effectRef>
+            <a:fontRef idx="minor">
+              <a:schemeClr val="tx1"/>
+            </a:fontRef>
+          </p:style>
+          <p:txBody>
+            <a:bodyPr rtlCol="0" anchor="ctr"/>
+            <a:lstStyle/>
+            <a:p>
+              <a:pPr algn="ctr"/>
+              <a:endParaRPr lang="en-GB"/>
+            </a:p>
+          </p:txBody>
+        </p:sp>
+        <p:sp>
+          <p:nvSpPr>
+            <p:cNvPr id="50" name="Tekstvak 49"/>
+            <p:cNvSpPr txBox="1"/>
+            <p:nvPr/>
+          </p:nvSpPr>
+          <p:spPr>
+            <a:xfrm>
+              <a:off x="9118718" y="1137059"/>
+              <a:ext cx="2815194" cy="369332"/>
+            </a:xfrm>
+            <a:prstGeom prst="rect">
+              <a:avLst/>
+            </a:prstGeom>
+            <a:noFill/>
+          </p:spPr>
+          <p:txBody>
+            <a:bodyPr wrap="none" rtlCol="0">
+              <a:spAutoFit/>
+            </a:bodyPr>
+            <a:lstStyle/>
+            <a:p>
+              <a:r>
+                <a:rPr lang="en-US" dirty="0"/>
+                <a:t>CNN: create video summary</a:t>
+              </a:r>
+              <a:endParaRPr lang="en-GB" dirty="0"/>
+            </a:p>
+          </p:txBody>
+        </p:sp>
+        <p:grpSp>
+          <p:nvGrpSpPr>
+            <p:cNvPr id="96" name="Groep 95"/>
+            <p:cNvGrpSpPr/>
+            <p:nvPr/>
+          </p:nvGrpSpPr>
+          <p:grpSpPr>
+            <a:xfrm>
+              <a:off x="2537161" y="2752578"/>
+              <a:ext cx="6044252" cy="1566204"/>
+              <a:chOff x="3198222" y="2752578"/>
+              <a:chExt cx="4725820" cy="1200987"/>
+            </a:xfrm>
+          </p:grpSpPr>
+          <p:cxnSp>
+            <p:nvCxnSpPr>
+              <p:cNvPr id="52" name="Rechte verbindingslijn 51"/>
+              <p:cNvCxnSpPr/>
+              <p:nvPr/>
+            </p:nvCxnSpPr>
+            <p:spPr>
+              <a:xfrm>
+                <a:off x="3296733" y="2752578"/>
+                <a:ext cx="4522050" cy="0"/>
+              </a:xfrm>
+              <a:prstGeom prst="line">
+                <a:avLst/>
+              </a:prstGeom>
+              <a:ln w="28575"/>
+            </p:spPr>
+            <p:style>
+              <a:lnRef idx="1">
+                <a:schemeClr val="dk1"/>
+              </a:lnRef>
+              <a:fillRef idx="0">
+                <a:schemeClr val="dk1"/>
+              </a:fillRef>
+              <a:effectRef idx="0">
+                <a:schemeClr val="dk1"/>
+              </a:effectRef>
+              <a:fontRef idx="minor">
+                <a:schemeClr val="tx1"/>
+              </a:fontRef>
+            </p:style>
+          </p:cxnSp>
+          <p:cxnSp>
+            <p:nvCxnSpPr>
+              <p:cNvPr id="53" name="Rechte verbindingslijn met pijl 52"/>
+              <p:cNvCxnSpPr/>
+              <p:nvPr/>
+            </p:nvCxnSpPr>
+            <p:spPr>
+              <a:xfrm>
+                <a:off x="7334365" y="2752578"/>
+                <a:ext cx="0" cy="323046"/>
+              </a:xfrm>
+              <a:prstGeom prst="straightConnector1">
+                <a:avLst/>
+              </a:prstGeom>
+              <a:ln w="28575">
+                <a:solidFill>
+                  <a:schemeClr val="tx1"/>
+                </a:solidFill>
+                <a:tailEnd type="triangle"/>
+              </a:ln>
+            </p:spPr>
+            <p:style>
+              <a:lnRef idx="1">
+                <a:schemeClr val="dk1"/>
+              </a:lnRef>
+              <a:fillRef idx="0">
+                <a:schemeClr val="dk1"/>
+              </a:fillRef>
+              <a:effectRef idx="0">
+                <a:schemeClr val="dk1"/>
+              </a:effectRef>
+              <a:fontRef idx="minor">
+                <a:schemeClr val="tx1"/>
+              </a:fontRef>
+            </p:style>
+          </p:cxnSp>
+          <p:cxnSp>
+            <p:nvCxnSpPr>
+              <p:cNvPr id="54" name="Rechte verbindingslijn met pijl 53"/>
+              <p:cNvCxnSpPr/>
+              <p:nvPr/>
+            </p:nvCxnSpPr>
+            <p:spPr>
+              <a:xfrm>
+                <a:off x="7818783" y="2752578"/>
+                <a:ext cx="0" cy="323046"/>
+              </a:xfrm>
+              <a:prstGeom prst="straightConnector1">
+                <a:avLst/>
+              </a:prstGeom>
+              <a:ln w="28575">
+                <a:solidFill>
+                  <a:schemeClr val="tx1"/>
+                </a:solidFill>
+                <a:tailEnd type="triangle"/>
+              </a:ln>
+            </p:spPr>
+            <p:style>
+              <a:lnRef idx="1">
+                <a:schemeClr val="dk1"/>
+              </a:lnRef>
+              <a:fillRef idx="0">
+                <a:schemeClr val="dk1"/>
+              </a:fillRef>
+              <a:effectRef idx="0">
+                <a:schemeClr val="dk1"/>
+              </a:effectRef>
+              <a:fontRef idx="minor">
+                <a:schemeClr val="tx1"/>
+              </a:fontRef>
+            </p:style>
+          </p:cxnSp>
+          <p:cxnSp>
+            <p:nvCxnSpPr>
+              <p:cNvPr id="55" name="Rechte verbindingslijn met pijl 54"/>
+              <p:cNvCxnSpPr/>
+              <p:nvPr/>
+            </p:nvCxnSpPr>
+            <p:spPr>
+              <a:xfrm>
+                <a:off x="3820801" y="2760234"/>
+                <a:ext cx="0" cy="323046"/>
+              </a:xfrm>
+              <a:prstGeom prst="straightConnector1">
+                <a:avLst/>
+              </a:prstGeom>
+              <a:ln w="28575">
+                <a:solidFill>
+                  <a:schemeClr val="tx1"/>
+                </a:solidFill>
+                <a:tailEnd type="triangle"/>
+              </a:ln>
+            </p:spPr>
+            <p:style>
+              <a:lnRef idx="1">
+                <a:schemeClr val="dk1"/>
+              </a:lnRef>
+              <a:fillRef idx="0">
+                <a:schemeClr val="dk1"/>
+              </a:fillRef>
+              <a:effectRef idx="0">
+                <a:schemeClr val="dk1"/>
+              </a:effectRef>
+              <a:fontRef idx="minor">
+                <a:schemeClr val="tx1"/>
+              </a:fontRef>
+            </p:style>
+          </p:cxnSp>
+          <p:cxnSp>
+            <p:nvCxnSpPr>
+              <p:cNvPr id="56" name="Rechte verbindingslijn met pijl 55"/>
+              <p:cNvCxnSpPr/>
+              <p:nvPr/>
+            </p:nvCxnSpPr>
+            <p:spPr>
+              <a:xfrm>
+                <a:off x="3296733" y="2752578"/>
+                <a:ext cx="0" cy="323046"/>
+              </a:xfrm>
+              <a:prstGeom prst="straightConnector1">
+                <a:avLst/>
+              </a:prstGeom>
+              <a:ln w="28575">
+                <a:solidFill>
+                  <a:schemeClr val="tx1"/>
+                </a:solidFill>
+                <a:tailEnd type="triangle"/>
+              </a:ln>
+            </p:spPr>
+            <p:style>
+              <a:lnRef idx="1">
+                <a:schemeClr val="dk1"/>
+              </a:lnRef>
+              <a:fillRef idx="0">
+                <a:schemeClr val="dk1"/>
+              </a:fillRef>
+              <a:effectRef idx="0">
+                <a:schemeClr val="dk1"/>
+              </a:effectRef>
+              <a:fontRef idx="minor">
+                <a:schemeClr val="tx1"/>
+              </a:fontRef>
+            </p:style>
+          </p:cxnSp>
+          <p:cxnSp>
+            <p:nvCxnSpPr>
+              <p:cNvPr id="57" name="Rechte verbindingslijn met pijl 56"/>
+              <p:cNvCxnSpPr/>
+              <p:nvPr/>
+            </p:nvCxnSpPr>
+            <p:spPr>
+              <a:xfrm>
+                <a:off x="4370771" y="2752578"/>
+                <a:ext cx="0" cy="323046"/>
+              </a:xfrm>
+              <a:prstGeom prst="straightConnector1">
+                <a:avLst/>
+              </a:prstGeom>
+              <a:ln w="28575">
+                <a:solidFill>
+                  <a:schemeClr val="tx1"/>
+                </a:solidFill>
+                <a:tailEnd type="triangle"/>
+              </a:ln>
+            </p:spPr>
+            <p:style>
+              <a:lnRef idx="1">
+                <a:schemeClr val="dk1"/>
+              </a:lnRef>
+              <a:fillRef idx="0">
+                <a:schemeClr val="dk1"/>
+              </a:fillRef>
+              <a:effectRef idx="0">
+                <a:schemeClr val="dk1"/>
+              </a:effectRef>
+              <a:fontRef idx="minor">
+                <a:schemeClr val="tx1"/>
+              </a:fontRef>
+            </p:style>
+          </p:cxnSp>
+          <p:cxnSp>
+            <p:nvCxnSpPr>
+              <p:cNvPr id="58" name="Rechte verbindingslijn met pijl 57"/>
+              <p:cNvCxnSpPr/>
+              <p:nvPr/>
+            </p:nvCxnSpPr>
+            <p:spPr>
+              <a:xfrm>
+                <a:off x="4881693" y="2752578"/>
+                <a:ext cx="0" cy="323046"/>
+              </a:xfrm>
+              <a:prstGeom prst="straightConnector1">
+                <a:avLst/>
+              </a:prstGeom>
+              <a:ln w="28575">
+                <a:solidFill>
+                  <a:schemeClr val="tx1"/>
+                </a:solidFill>
+                <a:tailEnd type="triangle"/>
+              </a:ln>
+            </p:spPr>
+            <p:style>
+              <a:lnRef idx="1">
+                <a:schemeClr val="dk1"/>
+              </a:lnRef>
+              <a:fillRef idx="0">
+                <a:schemeClr val="dk1"/>
+              </a:fillRef>
+              <a:effectRef idx="0">
+                <a:schemeClr val="dk1"/>
+              </a:effectRef>
+              <a:fontRef idx="minor">
+                <a:schemeClr val="tx1"/>
+              </a:fontRef>
+            </p:style>
+          </p:cxnSp>
+          <p:cxnSp>
+            <p:nvCxnSpPr>
+              <p:cNvPr id="59" name="Rechte verbindingslijn met pijl 58"/>
+              <p:cNvCxnSpPr/>
+              <p:nvPr/>
+            </p:nvCxnSpPr>
+            <p:spPr>
+              <a:xfrm>
+                <a:off x="6793473" y="2752578"/>
+                <a:ext cx="0" cy="323046"/>
+              </a:xfrm>
+              <a:prstGeom prst="straightConnector1">
+                <a:avLst/>
+              </a:prstGeom>
+              <a:ln w="28575">
+                <a:solidFill>
+                  <a:schemeClr val="tx1"/>
+                </a:solidFill>
+                <a:tailEnd type="triangle"/>
+              </a:ln>
+            </p:spPr>
+            <p:style>
+              <a:lnRef idx="1">
+                <a:schemeClr val="dk1"/>
+              </a:lnRef>
+              <a:fillRef idx="0">
+                <a:schemeClr val="dk1"/>
+              </a:fillRef>
+              <a:effectRef idx="0">
+                <a:schemeClr val="dk1"/>
+              </a:effectRef>
+              <a:fontRef idx="minor">
+                <a:schemeClr val="tx1"/>
+              </a:fontRef>
+            </p:style>
+          </p:cxnSp>
+          <p:cxnSp>
+            <p:nvCxnSpPr>
+              <p:cNvPr id="60" name="Rechte verbindingslijn met pijl 59"/>
+              <p:cNvCxnSpPr/>
+              <p:nvPr/>
+            </p:nvCxnSpPr>
+            <p:spPr>
+              <a:xfrm>
+                <a:off x="5333695" y="2752578"/>
+                <a:ext cx="0" cy="323046"/>
+              </a:xfrm>
+              <a:prstGeom prst="straightConnector1">
+                <a:avLst/>
+              </a:prstGeom>
+              <a:ln w="28575">
+                <a:solidFill>
+                  <a:schemeClr val="tx1"/>
+                </a:solidFill>
+                <a:tailEnd type="triangle"/>
+              </a:ln>
+            </p:spPr>
+            <p:style>
+              <a:lnRef idx="1">
+                <a:schemeClr val="dk1"/>
+              </a:lnRef>
+              <a:fillRef idx="0">
+                <a:schemeClr val="dk1"/>
+              </a:fillRef>
+              <a:effectRef idx="0">
+                <a:schemeClr val="dk1"/>
+              </a:effectRef>
+              <a:fontRef idx="minor">
+                <a:schemeClr val="tx1"/>
+              </a:fontRef>
+            </p:style>
+          </p:cxnSp>
+          <p:cxnSp>
+            <p:nvCxnSpPr>
+              <p:cNvPr id="61" name="Rechte verbindingslijn met pijl 60"/>
+              <p:cNvCxnSpPr/>
+              <p:nvPr/>
+            </p:nvCxnSpPr>
+            <p:spPr>
+              <a:xfrm>
+                <a:off x="5829836" y="2752578"/>
+                <a:ext cx="0" cy="323046"/>
+              </a:xfrm>
+              <a:prstGeom prst="straightConnector1">
+                <a:avLst/>
+              </a:prstGeom>
+              <a:ln w="28575">
+                <a:solidFill>
+                  <a:schemeClr val="tx1"/>
+                </a:solidFill>
+                <a:tailEnd type="triangle"/>
+              </a:ln>
+            </p:spPr>
+            <p:style>
+              <a:lnRef idx="1">
+                <a:schemeClr val="dk1"/>
+              </a:lnRef>
+              <a:fillRef idx="0">
+                <a:schemeClr val="dk1"/>
+              </a:fillRef>
+              <a:effectRef idx="0">
+                <a:schemeClr val="dk1"/>
+              </a:effectRef>
+              <a:fontRef idx="minor">
+                <a:schemeClr val="tx1"/>
+              </a:fontRef>
+            </p:style>
+          </p:cxnSp>
+          <p:cxnSp>
+            <p:nvCxnSpPr>
+              <p:cNvPr id="62" name="Rechte verbindingslijn met pijl 61"/>
+              <p:cNvCxnSpPr/>
+              <p:nvPr/>
+            </p:nvCxnSpPr>
+            <p:spPr>
+              <a:xfrm>
+                <a:off x="6302723" y="2752578"/>
+                <a:ext cx="0" cy="323046"/>
+              </a:xfrm>
+              <a:prstGeom prst="straightConnector1">
+                <a:avLst/>
+              </a:prstGeom>
+              <a:ln w="28575">
+                <a:solidFill>
+                  <a:schemeClr val="tx1"/>
+                </a:solidFill>
+                <a:tailEnd type="triangle"/>
+              </a:ln>
+            </p:spPr>
+            <p:style>
+              <a:lnRef idx="1">
+                <a:schemeClr val="dk1"/>
+              </a:lnRef>
+              <a:fillRef idx="0">
+                <a:schemeClr val="dk1"/>
+              </a:fillRef>
+              <a:effectRef idx="0">
+                <a:schemeClr val="dk1"/>
+              </a:effectRef>
+              <a:fontRef idx="minor">
+                <a:schemeClr val="tx1"/>
+              </a:fontRef>
+            </p:style>
+          </p:cxnSp>
+          <p:sp>
+            <p:nvSpPr>
+              <p:cNvPr id="63" name="Rechthoek 62"/>
+              <p:cNvSpPr/>
+              <p:nvPr/>
+            </p:nvSpPr>
+            <p:spPr>
+              <a:xfrm rot="16200000">
+                <a:off x="2862828" y="3388452"/>
+                <a:ext cx="881306" cy="210518"/>
+              </a:xfrm>
+              <a:prstGeom prst="rect">
+                <a:avLst/>
+              </a:prstGeom>
+              <a:ln>
+                <a:solidFill>
+                  <a:srgbClr val="7030A0"/>
+                </a:solidFill>
+              </a:ln>
+            </p:spPr>
+            <p:style>
+              <a:lnRef idx="2">
+                <a:schemeClr val="accent6"/>
+              </a:lnRef>
+              <a:fillRef idx="1">
+                <a:schemeClr val="lt1"/>
+              </a:fillRef>
+              <a:effectRef idx="0">
+                <a:schemeClr val="accent6"/>
+              </a:effectRef>
+              <a:fontRef idx="minor">
+                <a:schemeClr val="dk1"/>
+              </a:fontRef>
+            </p:style>
+            <p:txBody>
+              <a:bodyPr rtlCol="0" anchor="ctr"/>
+              <a:lstStyle/>
+              <a:p>
+                <a:pPr algn="ctr"/>
+                <a:r>
+                  <a:rPr lang="en-US" sz="1200" b="1" dirty="0"/>
+                  <a:t>LSTM</a:t>
+                </a:r>
+                <a:endParaRPr lang="en-GB" sz="1200" b="1" dirty="0"/>
+              </a:p>
+            </p:txBody>
+          </p:sp>
+          <p:sp>
+            <p:nvSpPr>
+              <p:cNvPr id="74" name="Rechthoek 73"/>
+              <p:cNvSpPr/>
+              <p:nvPr/>
+            </p:nvSpPr>
+            <p:spPr>
+              <a:xfrm rot="16200000">
+                <a:off x="3368144" y="3381841"/>
+                <a:ext cx="881306" cy="210518"/>
+              </a:xfrm>
+              <a:prstGeom prst="rect">
+                <a:avLst/>
+              </a:prstGeom>
+              <a:ln>
+                <a:solidFill>
+                  <a:srgbClr val="7030A0"/>
+                </a:solidFill>
+              </a:ln>
+            </p:spPr>
+            <p:style>
+              <a:lnRef idx="2">
+                <a:schemeClr val="accent6"/>
+              </a:lnRef>
+              <a:fillRef idx="1">
+                <a:schemeClr val="lt1"/>
+              </a:fillRef>
+              <a:effectRef idx="0">
+                <a:schemeClr val="accent6"/>
+              </a:effectRef>
+              <a:fontRef idx="minor">
+                <a:schemeClr val="dk1"/>
+              </a:fontRef>
+            </p:style>
+            <p:txBody>
+              <a:bodyPr rtlCol="0" anchor="ctr"/>
+              <a:lstStyle/>
+              <a:p>
+                <a:pPr algn="ctr"/>
+                <a:r>
+                  <a:rPr lang="en-US" sz="1200" b="1" dirty="0"/>
+                  <a:t>LSTM</a:t>
+                </a:r>
+                <a:endParaRPr lang="en-GB" sz="1200" b="1" dirty="0"/>
+              </a:p>
+            </p:txBody>
+          </p:sp>
+          <p:sp>
+            <p:nvSpPr>
+              <p:cNvPr id="75" name="Rechthoek 74"/>
+              <p:cNvSpPr/>
+              <p:nvPr/>
+            </p:nvSpPr>
+            <p:spPr>
+              <a:xfrm rot="16200000">
+                <a:off x="3930118" y="3407650"/>
+                <a:ext cx="881306" cy="210518"/>
+              </a:xfrm>
+              <a:prstGeom prst="rect">
+                <a:avLst/>
+              </a:prstGeom>
+              <a:ln>
+                <a:solidFill>
+                  <a:srgbClr val="7030A0"/>
+                </a:solidFill>
+              </a:ln>
+            </p:spPr>
+            <p:style>
+              <a:lnRef idx="2">
+                <a:schemeClr val="accent6"/>
+              </a:lnRef>
+              <a:fillRef idx="1">
+                <a:schemeClr val="lt1"/>
+              </a:fillRef>
+              <a:effectRef idx="0">
+                <a:schemeClr val="accent6"/>
+              </a:effectRef>
+              <a:fontRef idx="minor">
+                <a:schemeClr val="dk1"/>
+              </a:fontRef>
+            </p:style>
+            <p:txBody>
+              <a:bodyPr rtlCol="0" anchor="ctr"/>
+              <a:lstStyle/>
+              <a:p>
+                <a:pPr algn="ctr"/>
+                <a:r>
+                  <a:rPr lang="en-US" sz="1200" b="1" dirty="0"/>
+                  <a:t>LSTM</a:t>
+                </a:r>
+                <a:endParaRPr lang="en-GB" sz="1200" b="1" dirty="0"/>
+              </a:p>
+            </p:txBody>
+          </p:sp>
+          <p:sp>
+            <p:nvSpPr>
+              <p:cNvPr id="76" name="Rechthoek 75"/>
+              <p:cNvSpPr/>
+              <p:nvPr/>
+            </p:nvSpPr>
+            <p:spPr>
+              <a:xfrm rot="16200000">
+                <a:off x="4443857" y="3388450"/>
+                <a:ext cx="881306" cy="210518"/>
+              </a:xfrm>
+              <a:prstGeom prst="rect">
+                <a:avLst/>
+              </a:prstGeom>
+              <a:ln>
+                <a:solidFill>
+                  <a:srgbClr val="7030A0"/>
+                </a:solidFill>
+              </a:ln>
+            </p:spPr>
+            <p:style>
+              <a:lnRef idx="2">
+                <a:schemeClr val="accent6"/>
+              </a:lnRef>
+              <a:fillRef idx="1">
+                <a:schemeClr val="lt1"/>
+              </a:fillRef>
+              <a:effectRef idx="0">
+                <a:schemeClr val="accent6"/>
+              </a:effectRef>
+              <a:fontRef idx="minor">
+                <a:schemeClr val="dk1"/>
+              </a:fontRef>
+            </p:style>
+            <p:txBody>
+              <a:bodyPr rtlCol="0" anchor="ctr"/>
+              <a:lstStyle/>
+              <a:p>
+                <a:pPr algn="ctr"/>
+                <a:r>
+                  <a:rPr lang="en-US" sz="1200" b="1" dirty="0"/>
+                  <a:t>LSTM</a:t>
+                </a:r>
+                <a:endParaRPr lang="en-GB" sz="1200" b="1" dirty="0"/>
+              </a:p>
+            </p:txBody>
+          </p:sp>
+          <p:sp>
+            <p:nvSpPr>
+              <p:cNvPr id="77" name="Rechthoek 76"/>
+              <p:cNvSpPr/>
+              <p:nvPr/>
+            </p:nvSpPr>
+            <p:spPr>
+              <a:xfrm rot="16200000">
+                <a:off x="4896583" y="3407651"/>
+                <a:ext cx="881306" cy="210518"/>
+              </a:xfrm>
+              <a:prstGeom prst="rect">
+                <a:avLst/>
+              </a:prstGeom>
+              <a:ln>
+                <a:solidFill>
+                  <a:srgbClr val="7030A0"/>
+                </a:solidFill>
+              </a:ln>
+            </p:spPr>
+            <p:style>
+              <a:lnRef idx="2">
+                <a:schemeClr val="accent6"/>
+              </a:lnRef>
+              <a:fillRef idx="1">
+                <a:schemeClr val="lt1"/>
+              </a:fillRef>
+              <a:effectRef idx="0">
+                <a:schemeClr val="accent6"/>
+              </a:effectRef>
+              <a:fontRef idx="minor">
+                <a:schemeClr val="dk1"/>
+              </a:fontRef>
+            </p:style>
+            <p:txBody>
+              <a:bodyPr rtlCol="0" anchor="ctr"/>
+              <a:lstStyle/>
+              <a:p>
+                <a:pPr algn="ctr"/>
+                <a:r>
+                  <a:rPr lang="en-US" sz="1200" b="1" dirty="0"/>
+                  <a:t>LSTM</a:t>
+                </a:r>
+                <a:endParaRPr lang="en-GB" sz="1200" b="1" dirty="0"/>
+              </a:p>
+            </p:txBody>
+          </p:sp>
+          <p:sp>
+            <p:nvSpPr>
+              <p:cNvPr id="78" name="Rechthoek 77"/>
+              <p:cNvSpPr/>
+              <p:nvPr/>
+            </p:nvSpPr>
+            <p:spPr>
+              <a:xfrm rot="16200000">
+                <a:off x="5384364" y="3407652"/>
+                <a:ext cx="881306" cy="210518"/>
+              </a:xfrm>
+              <a:prstGeom prst="rect">
+                <a:avLst/>
+              </a:prstGeom>
+              <a:ln>
+                <a:solidFill>
+                  <a:srgbClr val="7030A0"/>
+                </a:solidFill>
+              </a:ln>
+            </p:spPr>
+            <p:style>
+              <a:lnRef idx="2">
+                <a:schemeClr val="accent6"/>
+              </a:lnRef>
+              <a:fillRef idx="1">
+                <a:schemeClr val="lt1"/>
+              </a:fillRef>
+              <a:effectRef idx="0">
+                <a:schemeClr val="accent6"/>
+              </a:effectRef>
+              <a:fontRef idx="minor">
+                <a:schemeClr val="dk1"/>
+              </a:fontRef>
+            </p:style>
+            <p:txBody>
+              <a:bodyPr rtlCol="0" anchor="ctr"/>
+              <a:lstStyle/>
+              <a:p>
+                <a:pPr algn="ctr"/>
+                <a:r>
+                  <a:rPr lang="en-US" sz="1200" b="1" dirty="0"/>
+                  <a:t>LSTM</a:t>
+                </a:r>
+                <a:endParaRPr lang="en-GB" sz="1200" b="1" dirty="0"/>
+              </a:p>
+            </p:txBody>
+          </p:sp>
+          <p:sp>
+            <p:nvSpPr>
+              <p:cNvPr id="79" name="Rechthoek 78"/>
+              <p:cNvSpPr/>
+              <p:nvPr/>
+            </p:nvSpPr>
+            <p:spPr>
+              <a:xfrm rot="16200000">
+                <a:off x="5871238" y="3388450"/>
+                <a:ext cx="881306" cy="210518"/>
+              </a:xfrm>
+              <a:prstGeom prst="rect">
+                <a:avLst/>
+              </a:prstGeom>
+              <a:ln>
+                <a:solidFill>
+                  <a:srgbClr val="7030A0"/>
+                </a:solidFill>
+              </a:ln>
+            </p:spPr>
+            <p:style>
+              <a:lnRef idx="2">
+                <a:schemeClr val="accent6"/>
+              </a:lnRef>
+              <a:fillRef idx="1">
+                <a:schemeClr val="lt1"/>
+              </a:fillRef>
+              <a:effectRef idx="0">
+                <a:schemeClr val="accent6"/>
+              </a:effectRef>
+              <a:fontRef idx="minor">
+                <a:schemeClr val="dk1"/>
+              </a:fontRef>
+            </p:style>
+            <p:txBody>
+              <a:bodyPr rtlCol="0" anchor="ctr"/>
+              <a:lstStyle/>
+              <a:p>
+                <a:pPr algn="ctr"/>
+                <a:r>
+                  <a:rPr lang="en-US" sz="1200" b="1" dirty="0"/>
+                  <a:t>LSTM</a:t>
+                </a:r>
+                <a:endParaRPr lang="en-GB" sz="1200" b="1" dirty="0"/>
+              </a:p>
+            </p:txBody>
+          </p:sp>
+          <p:sp>
+            <p:nvSpPr>
+              <p:cNvPr id="80" name="Rechthoek 79"/>
+              <p:cNvSpPr/>
+              <p:nvPr/>
+            </p:nvSpPr>
+            <p:spPr>
+              <a:xfrm rot="16200000">
+                <a:off x="6352820" y="3407652"/>
+                <a:ext cx="881306" cy="210518"/>
+              </a:xfrm>
+              <a:prstGeom prst="rect">
+                <a:avLst/>
+              </a:prstGeom>
+              <a:ln>
+                <a:solidFill>
+                  <a:srgbClr val="7030A0"/>
+                </a:solidFill>
+              </a:ln>
+            </p:spPr>
+            <p:style>
+              <a:lnRef idx="2">
+                <a:schemeClr val="accent6"/>
+              </a:lnRef>
+              <a:fillRef idx="1">
+                <a:schemeClr val="lt1"/>
+              </a:fillRef>
+              <a:effectRef idx="0">
+                <a:schemeClr val="accent6"/>
+              </a:effectRef>
+              <a:fontRef idx="minor">
+                <a:schemeClr val="dk1"/>
+              </a:fontRef>
+            </p:style>
+            <p:txBody>
+              <a:bodyPr rtlCol="0" anchor="ctr"/>
+              <a:lstStyle/>
+              <a:p>
+                <a:pPr algn="ctr"/>
+                <a:r>
+                  <a:rPr lang="en-US" sz="1200" b="1" dirty="0"/>
+                  <a:t>LSTM</a:t>
+                </a:r>
+                <a:endParaRPr lang="en-GB" sz="1200" b="1" dirty="0"/>
+              </a:p>
+            </p:txBody>
+          </p:sp>
+          <p:sp>
+            <p:nvSpPr>
+              <p:cNvPr id="81" name="Rechthoek 80"/>
+              <p:cNvSpPr/>
+              <p:nvPr/>
+            </p:nvSpPr>
+            <p:spPr>
+              <a:xfrm rot="16200000">
+                <a:off x="6895750" y="3407652"/>
+                <a:ext cx="881306" cy="210518"/>
+              </a:xfrm>
+              <a:prstGeom prst="rect">
+                <a:avLst/>
+              </a:prstGeom>
+              <a:ln>
+                <a:solidFill>
+                  <a:srgbClr val="7030A0"/>
+                </a:solidFill>
+              </a:ln>
+            </p:spPr>
+            <p:style>
+              <a:lnRef idx="2">
+                <a:schemeClr val="accent6"/>
+              </a:lnRef>
+              <a:fillRef idx="1">
+                <a:schemeClr val="lt1"/>
+              </a:fillRef>
+              <a:effectRef idx="0">
+                <a:schemeClr val="accent6"/>
+              </a:effectRef>
+              <a:fontRef idx="minor">
+                <a:schemeClr val="dk1"/>
+              </a:fontRef>
+            </p:style>
+            <p:txBody>
+              <a:bodyPr rtlCol="0" anchor="ctr"/>
+              <a:lstStyle/>
+              <a:p>
+                <a:pPr algn="ctr"/>
+                <a:r>
+                  <a:rPr lang="en-US" sz="1200" b="1" dirty="0"/>
+                  <a:t>LSTM</a:t>
+                </a:r>
+                <a:endParaRPr lang="en-GB" sz="1200" b="1" dirty="0"/>
+              </a:p>
+            </p:txBody>
+          </p:sp>
+          <p:sp>
+            <p:nvSpPr>
+              <p:cNvPr id="82" name="Rechthoek 81"/>
+              <p:cNvSpPr/>
+              <p:nvPr/>
+            </p:nvSpPr>
+            <p:spPr>
+              <a:xfrm rot="16200000">
+                <a:off x="7378130" y="3407653"/>
+                <a:ext cx="881306" cy="210518"/>
+              </a:xfrm>
+              <a:prstGeom prst="rect">
+                <a:avLst/>
+              </a:prstGeom>
+              <a:ln>
+                <a:solidFill>
+                  <a:srgbClr val="7030A0"/>
+                </a:solidFill>
+              </a:ln>
+            </p:spPr>
+            <p:style>
+              <a:lnRef idx="2">
+                <a:schemeClr val="accent6"/>
+              </a:lnRef>
+              <a:fillRef idx="1">
+                <a:schemeClr val="lt1"/>
+              </a:fillRef>
+              <a:effectRef idx="0">
+                <a:schemeClr val="accent6"/>
+              </a:effectRef>
+              <a:fontRef idx="minor">
+                <a:schemeClr val="dk1"/>
+              </a:fontRef>
+            </p:style>
+            <p:txBody>
+              <a:bodyPr rtlCol="0" anchor="ctr"/>
+              <a:lstStyle/>
+              <a:p>
+                <a:pPr algn="ctr"/>
+                <a:r>
+                  <a:rPr lang="en-US" sz="1200" b="1" dirty="0"/>
+                  <a:t>LSTM</a:t>
+                </a:r>
+                <a:endParaRPr lang="en-GB" sz="1200" b="1" dirty="0"/>
+              </a:p>
+            </p:txBody>
+          </p:sp>
+          <p:cxnSp>
+            <p:nvCxnSpPr>
+              <p:cNvPr id="83" name="Rechte verbindingslijn met pijl 82"/>
+              <p:cNvCxnSpPr>
+                <a:cxnSpLocks/>
+              </p:cNvCxnSpPr>
+              <p:nvPr/>
+            </p:nvCxnSpPr>
+            <p:spPr>
+              <a:xfrm>
+                <a:off x="3918044" y="3492940"/>
+                <a:ext cx="347468" cy="0"/>
+              </a:xfrm>
+              <a:prstGeom prst="straightConnector1">
+                <a:avLst/>
+              </a:prstGeom>
+              <a:ln w="28575">
+                <a:solidFill>
+                  <a:schemeClr val="tx1"/>
+                </a:solidFill>
+                <a:tailEnd type="triangle"/>
+              </a:ln>
+            </p:spPr>
+            <p:style>
+              <a:lnRef idx="1">
+                <a:schemeClr val="dk1"/>
+              </a:lnRef>
+              <a:fillRef idx="0">
+                <a:schemeClr val="dk1"/>
+              </a:fillRef>
+              <a:effectRef idx="0">
+                <a:schemeClr val="dk1"/>
+              </a:effectRef>
+              <a:fontRef idx="minor">
+                <a:schemeClr val="tx1"/>
+              </a:fontRef>
+            </p:style>
+          </p:cxnSp>
+          <p:cxnSp>
+            <p:nvCxnSpPr>
+              <p:cNvPr id="85" name="Rechte verbindingslijn met pijl 84"/>
+              <p:cNvCxnSpPr>
+                <a:cxnSpLocks/>
+                <a:endCxn id="74" idx="0"/>
+              </p:cNvCxnSpPr>
+              <p:nvPr/>
+            </p:nvCxnSpPr>
+            <p:spPr>
+              <a:xfrm>
+                <a:off x="3436442" y="3486331"/>
+                <a:ext cx="267096" cy="769"/>
+              </a:xfrm>
+              <a:prstGeom prst="straightConnector1">
+                <a:avLst/>
+              </a:prstGeom>
+              <a:ln w="28575">
+                <a:solidFill>
+                  <a:schemeClr val="tx1"/>
+                </a:solidFill>
+                <a:tailEnd type="triangle"/>
+              </a:ln>
+            </p:spPr>
+            <p:style>
+              <a:lnRef idx="1">
+                <a:schemeClr val="dk1"/>
+              </a:lnRef>
+              <a:fillRef idx="0">
+                <a:schemeClr val="dk1"/>
+              </a:fillRef>
+              <a:effectRef idx="0">
+                <a:schemeClr val="dk1"/>
+              </a:effectRef>
+              <a:fontRef idx="minor">
+                <a:schemeClr val="tx1"/>
+              </a:fontRef>
+            </p:style>
+          </p:cxnSp>
+          <p:cxnSp>
+            <p:nvCxnSpPr>
+              <p:cNvPr id="87" name="Rechte verbindingslijn met pijl 86"/>
+              <p:cNvCxnSpPr>
+                <a:cxnSpLocks/>
+              </p:cNvCxnSpPr>
+              <p:nvPr/>
+            </p:nvCxnSpPr>
+            <p:spPr>
+              <a:xfrm>
+                <a:off x="4531042" y="3492940"/>
+                <a:ext cx="267096" cy="769"/>
+              </a:xfrm>
+              <a:prstGeom prst="straightConnector1">
+                <a:avLst/>
+              </a:prstGeom>
+              <a:ln w="28575">
+                <a:solidFill>
+                  <a:schemeClr val="tx1"/>
+                </a:solidFill>
+                <a:tailEnd type="triangle"/>
+              </a:ln>
+            </p:spPr>
+            <p:style>
+              <a:lnRef idx="1">
+                <a:schemeClr val="dk1"/>
+              </a:lnRef>
+              <a:fillRef idx="0">
+                <a:schemeClr val="dk1"/>
+              </a:fillRef>
+              <a:effectRef idx="0">
+                <a:schemeClr val="dk1"/>
+              </a:effectRef>
+              <a:fontRef idx="minor">
+                <a:schemeClr val="tx1"/>
+              </a:fontRef>
+            </p:style>
+          </p:cxnSp>
+          <p:cxnSp>
+            <p:nvCxnSpPr>
+              <p:cNvPr id="88" name="Rechte verbindingslijn met pijl 87"/>
+              <p:cNvCxnSpPr>
+                <a:cxnSpLocks/>
+              </p:cNvCxnSpPr>
+              <p:nvPr/>
+            </p:nvCxnSpPr>
+            <p:spPr>
+              <a:xfrm>
+                <a:off x="4996534" y="3492171"/>
+                <a:ext cx="267096" cy="769"/>
+              </a:xfrm>
+              <a:prstGeom prst="straightConnector1">
+                <a:avLst/>
+              </a:prstGeom>
+              <a:ln w="28575">
+                <a:solidFill>
+                  <a:schemeClr val="tx1"/>
+                </a:solidFill>
+                <a:tailEnd type="triangle"/>
+              </a:ln>
+            </p:spPr>
+            <p:style>
+              <a:lnRef idx="1">
+                <a:schemeClr val="dk1"/>
+              </a:lnRef>
+              <a:fillRef idx="0">
+                <a:schemeClr val="dk1"/>
+              </a:fillRef>
+              <a:effectRef idx="0">
+                <a:schemeClr val="dk1"/>
+              </a:effectRef>
+              <a:fontRef idx="minor">
+                <a:schemeClr val="tx1"/>
+              </a:fontRef>
+            </p:style>
+          </p:cxnSp>
+          <p:cxnSp>
+            <p:nvCxnSpPr>
+              <p:cNvPr id="89" name="Rechte verbindingslijn met pijl 88"/>
+              <p:cNvCxnSpPr>
+                <a:cxnSpLocks/>
+              </p:cNvCxnSpPr>
+              <p:nvPr/>
+            </p:nvCxnSpPr>
+            <p:spPr>
+              <a:xfrm>
+                <a:off x="5460462" y="3487100"/>
+                <a:ext cx="267096" cy="769"/>
+              </a:xfrm>
+              <a:prstGeom prst="straightConnector1">
+                <a:avLst/>
+              </a:prstGeom>
+              <a:ln w="28575">
+                <a:solidFill>
+                  <a:schemeClr val="tx1"/>
+                </a:solidFill>
+                <a:tailEnd type="triangle"/>
+              </a:ln>
+            </p:spPr>
+            <p:style>
+              <a:lnRef idx="1">
+                <a:schemeClr val="dk1"/>
+              </a:lnRef>
+              <a:fillRef idx="0">
+                <a:schemeClr val="dk1"/>
+              </a:fillRef>
+              <a:effectRef idx="0">
+                <a:schemeClr val="dk1"/>
+              </a:effectRef>
+              <a:fontRef idx="minor">
+                <a:schemeClr val="tx1"/>
+              </a:fontRef>
+            </p:style>
+          </p:cxnSp>
+          <p:cxnSp>
+            <p:nvCxnSpPr>
+              <p:cNvPr id="90" name="Rechte verbindingslijn met pijl 89"/>
+              <p:cNvCxnSpPr>
+                <a:cxnSpLocks/>
+              </p:cNvCxnSpPr>
+              <p:nvPr/>
+            </p:nvCxnSpPr>
+            <p:spPr>
+              <a:xfrm>
+                <a:off x="5938876" y="3492940"/>
+                <a:ext cx="267096" cy="769"/>
+              </a:xfrm>
+              <a:prstGeom prst="straightConnector1">
+                <a:avLst/>
+              </a:prstGeom>
+              <a:ln w="28575">
+                <a:solidFill>
+                  <a:schemeClr val="tx1"/>
+                </a:solidFill>
+                <a:tailEnd type="triangle"/>
+              </a:ln>
+            </p:spPr>
+            <p:style>
+              <a:lnRef idx="1">
+                <a:schemeClr val="dk1"/>
+              </a:lnRef>
+              <a:fillRef idx="0">
+                <a:schemeClr val="dk1"/>
+              </a:fillRef>
+              <a:effectRef idx="0">
+                <a:schemeClr val="dk1"/>
+              </a:effectRef>
+              <a:fontRef idx="minor">
+                <a:schemeClr val="tx1"/>
+              </a:fontRef>
+            </p:style>
+          </p:cxnSp>
+          <p:cxnSp>
+            <p:nvCxnSpPr>
+              <p:cNvPr id="91" name="Rechte verbindingslijn met pijl 90"/>
+              <p:cNvCxnSpPr>
+                <a:cxnSpLocks/>
+              </p:cNvCxnSpPr>
+              <p:nvPr/>
+            </p:nvCxnSpPr>
+            <p:spPr>
+              <a:xfrm>
+                <a:off x="6416352" y="3474993"/>
+                <a:ext cx="267096" cy="769"/>
+              </a:xfrm>
+              <a:prstGeom prst="straightConnector1">
+                <a:avLst/>
+              </a:prstGeom>
+              <a:ln w="28575">
+                <a:solidFill>
+                  <a:schemeClr val="tx1"/>
+                </a:solidFill>
+                <a:tailEnd type="triangle"/>
+              </a:ln>
+            </p:spPr>
+            <p:style>
+              <a:lnRef idx="1">
+                <a:schemeClr val="dk1"/>
+              </a:lnRef>
+              <a:fillRef idx="0">
+                <a:schemeClr val="dk1"/>
+              </a:fillRef>
+              <a:effectRef idx="0">
+                <a:schemeClr val="dk1"/>
+              </a:effectRef>
+              <a:fontRef idx="minor">
+                <a:schemeClr val="tx1"/>
+              </a:fontRef>
+            </p:style>
+          </p:cxnSp>
+          <p:cxnSp>
+            <p:nvCxnSpPr>
+              <p:cNvPr id="94" name="Rechte verbindingslijn met pijl 93"/>
+              <p:cNvCxnSpPr>
+                <a:cxnSpLocks/>
+              </p:cNvCxnSpPr>
+              <p:nvPr/>
+            </p:nvCxnSpPr>
+            <p:spPr>
+              <a:xfrm>
+                <a:off x="6898732" y="3473302"/>
+                <a:ext cx="347468" cy="0"/>
+              </a:xfrm>
+              <a:prstGeom prst="straightConnector1">
+                <a:avLst/>
+              </a:prstGeom>
+              <a:ln w="28575">
+                <a:solidFill>
+                  <a:schemeClr val="tx1"/>
+                </a:solidFill>
+                <a:tailEnd type="triangle"/>
+              </a:ln>
+            </p:spPr>
+            <p:style>
+              <a:lnRef idx="1">
+                <a:schemeClr val="dk1"/>
+              </a:lnRef>
+              <a:fillRef idx="0">
+                <a:schemeClr val="dk1"/>
+              </a:fillRef>
+              <a:effectRef idx="0">
+                <a:schemeClr val="dk1"/>
+              </a:effectRef>
+              <a:fontRef idx="minor">
+                <a:schemeClr val="tx1"/>
+              </a:fontRef>
+            </p:style>
+          </p:cxnSp>
+          <p:cxnSp>
+            <p:nvCxnSpPr>
+              <p:cNvPr id="95" name="Rechte verbindingslijn met pijl 94"/>
+              <p:cNvCxnSpPr>
+                <a:cxnSpLocks/>
+              </p:cNvCxnSpPr>
+              <p:nvPr/>
+            </p:nvCxnSpPr>
+            <p:spPr>
+              <a:xfrm>
+                <a:off x="7446428" y="3472533"/>
+                <a:ext cx="267096" cy="769"/>
+              </a:xfrm>
+              <a:prstGeom prst="straightConnector1">
+                <a:avLst/>
+              </a:prstGeom>
+              <a:ln w="28575">
+                <a:solidFill>
+                  <a:schemeClr val="tx1"/>
+                </a:solidFill>
+                <a:tailEnd type="triangle"/>
+              </a:ln>
+            </p:spPr>
+            <p:style>
+              <a:lnRef idx="1">
+                <a:schemeClr val="dk1"/>
+              </a:lnRef>
+              <a:fillRef idx="0">
+                <a:schemeClr val="dk1"/>
+              </a:fillRef>
+              <a:effectRef idx="0">
+                <a:schemeClr val="dk1"/>
+              </a:effectRef>
+              <a:fontRef idx="minor">
+                <a:schemeClr val="tx1"/>
+              </a:fontRef>
+            </p:style>
+          </p:cxnSp>
+        </p:grpSp>
+        <p:cxnSp>
+          <p:nvCxnSpPr>
+            <p:cNvPr id="97" name="Rechte verbindingslijn met pijl 96"/>
+            <p:cNvCxnSpPr/>
+            <p:nvPr/>
+          </p:nvCxnSpPr>
+          <p:spPr>
+            <a:xfrm>
+              <a:off x="2662078" y="4292350"/>
+              <a:ext cx="0" cy="421283"/>
+            </a:xfrm>
+            <a:prstGeom prst="straightConnector1">
+              <a:avLst/>
+            </a:prstGeom>
+            <a:ln w="28575">
+              <a:solidFill>
+                <a:schemeClr val="tx1"/>
+              </a:solidFill>
+              <a:tailEnd type="triangle"/>
+            </a:ln>
+          </p:spPr>
+          <p:style>
+            <a:lnRef idx="1">
+              <a:schemeClr val="dk1"/>
+            </a:lnRef>
+            <a:fillRef idx="0">
+              <a:schemeClr val="dk1"/>
+            </a:fillRef>
+            <a:effectRef idx="0">
+              <a:schemeClr val="dk1"/>
+            </a:effectRef>
+            <a:fontRef idx="minor">
+              <a:schemeClr val="tx1"/>
+            </a:fontRef>
+          </p:style>
+        </p:cxnSp>
+        <p:cxnSp>
+          <p:nvCxnSpPr>
+            <p:cNvPr id="98" name="Rechte verbindingslijn met pijl 97"/>
+            <p:cNvCxnSpPr/>
+            <p:nvPr/>
+          </p:nvCxnSpPr>
+          <p:spPr>
+            <a:xfrm>
+              <a:off x="3318077" y="4285121"/>
+              <a:ext cx="0" cy="421283"/>
+            </a:xfrm>
+            <a:prstGeom prst="straightConnector1">
+              <a:avLst/>
+            </a:prstGeom>
+            <a:ln w="28575">
+              <a:solidFill>
+                <a:schemeClr val="tx1"/>
+              </a:solidFill>
+              <a:tailEnd type="triangle"/>
+            </a:ln>
+          </p:spPr>
+          <p:style>
+            <a:lnRef idx="1">
+              <a:schemeClr val="dk1"/>
+            </a:lnRef>
+            <a:fillRef idx="0">
+              <a:schemeClr val="dk1"/>
+            </a:fillRef>
+            <a:effectRef idx="0">
+              <a:schemeClr val="dk1"/>
+            </a:effectRef>
+            <a:fontRef idx="minor">
+              <a:schemeClr val="tx1"/>
+            </a:fontRef>
+          </p:style>
+        </p:cxnSp>
+        <p:cxnSp>
+          <p:nvCxnSpPr>
+            <p:cNvPr id="99" name="Rechte verbindingslijn met pijl 98"/>
+            <p:cNvCxnSpPr/>
+            <p:nvPr/>
+          </p:nvCxnSpPr>
+          <p:spPr>
+            <a:xfrm>
+              <a:off x="4036833" y="4330123"/>
+              <a:ext cx="0" cy="421283"/>
+            </a:xfrm>
+            <a:prstGeom prst="straightConnector1">
+              <a:avLst/>
+            </a:prstGeom>
+            <a:ln w="28575">
+              <a:solidFill>
+                <a:schemeClr val="tx1"/>
+              </a:solidFill>
+              <a:tailEnd type="triangle"/>
+            </a:ln>
+          </p:spPr>
+          <p:style>
+            <a:lnRef idx="1">
+              <a:schemeClr val="dk1"/>
+            </a:lnRef>
+            <a:fillRef idx="0">
+              <a:schemeClr val="dk1"/>
+            </a:fillRef>
+            <a:effectRef idx="0">
+              <a:schemeClr val="dk1"/>
+            </a:effectRef>
+            <a:fontRef idx="minor">
+              <a:schemeClr val="tx1"/>
+            </a:fontRef>
+          </p:style>
+        </p:cxnSp>
+        <p:cxnSp>
+          <p:nvCxnSpPr>
+            <p:cNvPr id="100" name="Rechte verbindingslijn met pijl 99"/>
+            <p:cNvCxnSpPr/>
+            <p:nvPr/>
+          </p:nvCxnSpPr>
+          <p:spPr>
+            <a:xfrm>
+              <a:off x="4690295" y="4306894"/>
+              <a:ext cx="0" cy="421283"/>
+            </a:xfrm>
+            <a:prstGeom prst="straightConnector1">
+              <a:avLst/>
+            </a:prstGeom>
+            <a:ln w="28575">
+              <a:solidFill>
+                <a:schemeClr val="tx1"/>
+              </a:solidFill>
+              <a:tailEnd type="triangle"/>
+            </a:ln>
+          </p:spPr>
+          <p:style>
+            <a:lnRef idx="1">
+              <a:schemeClr val="dk1"/>
+            </a:lnRef>
+            <a:fillRef idx="0">
+              <a:schemeClr val="dk1"/>
+            </a:fillRef>
+            <a:effectRef idx="0">
+              <a:schemeClr val="dk1"/>
+            </a:effectRef>
+            <a:fontRef idx="minor">
+              <a:schemeClr val="tx1"/>
+            </a:fontRef>
+          </p:style>
+        </p:cxnSp>
+        <p:cxnSp>
+          <p:nvCxnSpPr>
+            <p:cNvPr id="101" name="Rechte verbindingslijn met pijl 100"/>
+            <p:cNvCxnSpPr/>
+            <p:nvPr/>
+          </p:nvCxnSpPr>
+          <p:spPr>
+            <a:xfrm>
+              <a:off x="5268399" y="4318778"/>
+              <a:ext cx="0" cy="421283"/>
+            </a:xfrm>
+            <a:prstGeom prst="straightConnector1">
+              <a:avLst/>
+            </a:prstGeom>
+            <a:ln w="28575">
+              <a:solidFill>
+                <a:schemeClr val="tx1"/>
+              </a:solidFill>
+              <a:tailEnd type="triangle"/>
+            </a:ln>
+          </p:spPr>
+          <p:style>
+            <a:lnRef idx="1">
+              <a:schemeClr val="dk1"/>
+            </a:lnRef>
+            <a:fillRef idx="0">
+              <a:schemeClr val="dk1"/>
+            </a:fillRef>
+            <a:effectRef idx="0">
+              <a:schemeClr val="dk1"/>
+            </a:effectRef>
+            <a:fontRef idx="minor">
+              <a:schemeClr val="tx1"/>
+            </a:fontRef>
+          </p:style>
+        </p:cxnSp>
+        <p:cxnSp>
+          <p:nvCxnSpPr>
+            <p:cNvPr id="102" name="Rechte verbindingslijn met pijl 101"/>
+            <p:cNvCxnSpPr/>
+            <p:nvPr/>
+          </p:nvCxnSpPr>
+          <p:spPr>
+            <a:xfrm>
+              <a:off x="5901152" y="4318778"/>
+              <a:ext cx="0" cy="421283"/>
+            </a:xfrm>
+            <a:prstGeom prst="straightConnector1">
+              <a:avLst/>
+            </a:prstGeom>
+            <a:ln w="28575">
+              <a:solidFill>
+                <a:schemeClr val="tx1"/>
+              </a:solidFill>
+              <a:tailEnd type="triangle"/>
+            </a:ln>
+          </p:spPr>
+          <p:style>
+            <a:lnRef idx="1">
+              <a:schemeClr val="dk1"/>
+            </a:lnRef>
+            <a:fillRef idx="0">
+              <a:schemeClr val="dk1"/>
+            </a:fillRef>
+            <a:effectRef idx="0">
+              <a:schemeClr val="dk1"/>
+            </a:effectRef>
+            <a:fontRef idx="minor">
+              <a:schemeClr val="tx1"/>
+            </a:fontRef>
+          </p:style>
+        </p:cxnSp>
+        <p:cxnSp>
+          <p:nvCxnSpPr>
+            <p:cNvPr id="103" name="Rechte verbindingslijn met pijl 102"/>
+            <p:cNvCxnSpPr/>
+            <p:nvPr/>
+          </p:nvCxnSpPr>
+          <p:spPr>
+            <a:xfrm>
+              <a:off x="6519496" y="4308877"/>
+              <a:ext cx="0" cy="421283"/>
+            </a:xfrm>
+            <a:prstGeom prst="straightConnector1">
+              <a:avLst/>
+            </a:prstGeom>
+            <a:ln w="28575">
+              <a:solidFill>
+                <a:schemeClr val="tx1"/>
+              </a:solidFill>
+              <a:tailEnd type="triangle"/>
+            </a:ln>
+          </p:spPr>
+          <p:style>
+            <a:lnRef idx="1">
+              <a:schemeClr val="dk1"/>
+            </a:lnRef>
+            <a:fillRef idx="0">
+              <a:schemeClr val="dk1"/>
+            </a:fillRef>
+            <a:effectRef idx="0">
+              <a:schemeClr val="dk1"/>
+            </a:effectRef>
+            <a:fontRef idx="minor">
+              <a:schemeClr val="tx1"/>
+            </a:fontRef>
+          </p:style>
+        </p:cxnSp>
+        <p:cxnSp>
+          <p:nvCxnSpPr>
+            <p:cNvPr id="104" name="Rechte verbindingslijn met pijl 103"/>
+            <p:cNvCxnSpPr/>
+            <p:nvPr/>
+          </p:nvCxnSpPr>
+          <p:spPr>
+            <a:xfrm>
+              <a:off x="7139876" y="4330123"/>
+              <a:ext cx="0" cy="421283"/>
+            </a:xfrm>
+            <a:prstGeom prst="straightConnector1">
+              <a:avLst/>
+            </a:prstGeom>
+            <a:ln w="28575">
+              <a:solidFill>
+                <a:schemeClr val="tx1"/>
+              </a:solidFill>
+              <a:tailEnd type="triangle"/>
+            </a:ln>
+          </p:spPr>
+          <p:style>
+            <a:lnRef idx="1">
+              <a:schemeClr val="dk1"/>
+            </a:lnRef>
+            <a:fillRef idx="0">
+              <a:schemeClr val="dk1"/>
+            </a:fillRef>
+            <a:effectRef idx="0">
+              <a:schemeClr val="dk1"/>
+            </a:effectRef>
+            <a:fontRef idx="minor">
+              <a:schemeClr val="tx1"/>
+            </a:fontRef>
+          </p:style>
+        </p:cxnSp>
+        <p:cxnSp>
+          <p:nvCxnSpPr>
+            <p:cNvPr id="105" name="Rechte verbindingslijn met pijl 104"/>
+            <p:cNvCxnSpPr/>
+            <p:nvPr/>
+          </p:nvCxnSpPr>
+          <p:spPr>
+            <a:xfrm>
+              <a:off x="7827225" y="4330123"/>
+              <a:ext cx="0" cy="421283"/>
+            </a:xfrm>
+            <a:prstGeom prst="straightConnector1">
+              <a:avLst/>
+            </a:prstGeom>
+            <a:ln w="28575">
+              <a:solidFill>
+                <a:schemeClr val="tx1"/>
+              </a:solidFill>
+              <a:tailEnd type="triangle"/>
+            </a:ln>
+          </p:spPr>
+          <p:style>
+            <a:lnRef idx="1">
+              <a:schemeClr val="dk1"/>
+            </a:lnRef>
+            <a:fillRef idx="0">
+              <a:schemeClr val="dk1"/>
+            </a:fillRef>
+            <a:effectRef idx="0">
+              <a:schemeClr val="dk1"/>
+            </a:effectRef>
+            <a:fontRef idx="minor">
+              <a:schemeClr val="tx1"/>
+            </a:fontRef>
+          </p:style>
+        </p:cxnSp>
+        <p:cxnSp>
+          <p:nvCxnSpPr>
+            <p:cNvPr id="106" name="Rechte verbindingslijn met pijl 105"/>
+            <p:cNvCxnSpPr/>
+            <p:nvPr/>
+          </p:nvCxnSpPr>
+          <p:spPr>
+            <a:xfrm>
+              <a:off x="8465300" y="4318777"/>
+              <a:ext cx="0" cy="421283"/>
+            </a:xfrm>
+            <a:prstGeom prst="straightConnector1">
+              <a:avLst/>
+            </a:prstGeom>
+            <a:ln w="28575">
+              <a:solidFill>
+                <a:schemeClr val="tx1"/>
+              </a:solidFill>
+              <a:tailEnd type="triangle"/>
+            </a:ln>
+          </p:spPr>
+          <p:style>
+            <a:lnRef idx="1">
+              <a:schemeClr val="dk1"/>
+            </a:lnRef>
+            <a:fillRef idx="0">
+              <a:schemeClr val="dk1"/>
+            </a:fillRef>
+            <a:effectRef idx="0">
+              <a:schemeClr val="dk1"/>
+            </a:effectRef>
+            <a:fontRef idx="minor">
+              <a:schemeClr val="tx1"/>
+            </a:fontRef>
+          </p:style>
+        </p:cxnSp>
+        <p:sp>
+          <p:nvSpPr>
+            <p:cNvPr id="108" name="Tekstvak 107"/>
+            <p:cNvSpPr txBox="1"/>
+            <p:nvPr/>
+          </p:nvSpPr>
+          <p:spPr>
+            <a:xfrm>
+              <a:off x="2489085" y="4682728"/>
+              <a:ext cx="381836" cy="369332"/>
+            </a:xfrm>
+            <a:prstGeom prst="rect">
+              <a:avLst/>
+            </a:prstGeom>
+            <a:noFill/>
+          </p:spPr>
+          <p:txBody>
+            <a:bodyPr wrap="none" rtlCol="0">
+              <a:spAutoFit/>
+            </a:bodyPr>
+            <a:lstStyle/>
+            <a:p>
+              <a:r>
+                <a:rPr lang="en-US" dirty="0"/>
+                <a:t>S</a:t>
+              </a:r>
+              <a:r>
+                <a:rPr lang="en-US" sz="1400" dirty="0"/>
+                <a:t>1</a:t>
+              </a:r>
+              <a:endParaRPr lang="en-GB" dirty="0"/>
+            </a:p>
+          </p:txBody>
+        </p:sp>
+        <p:sp>
+          <p:nvSpPr>
+            <p:cNvPr id="109" name="Tekstvak 108"/>
+            <p:cNvSpPr txBox="1"/>
+            <p:nvPr/>
+          </p:nvSpPr>
+          <p:spPr>
+            <a:xfrm>
+              <a:off x="3131678" y="4686040"/>
+              <a:ext cx="381836" cy="369332"/>
+            </a:xfrm>
+            <a:prstGeom prst="rect">
+              <a:avLst/>
+            </a:prstGeom>
+            <a:noFill/>
+          </p:spPr>
+          <p:txBody>
+            <a:bodyPr wrap="none" rtlCol="0">
+              <a:spAutoFit/>
+            </a:bodyPr>
+            <a:lstStyle/>
+            <a:p>
+              <a:r>
+                <a:rPr lang="en-US" dirty="0"/>
+                <a:t>S</a:t>
+              </a:r>
+              <a:r>
+                <a:rPr lang="en-US" sz="1400" dirty="0"/>
+                <a:t>2</a:t>
+              </a:r>
+              <a:endParaRPr lang="en-GB" dirty="0"/>
+            </a:p>
+          </p:txBody>
+        </p:sp>
+        <p:sp>
+          <p:nvSpPr>
+            <p:cNvPr id="110" name="Tekstvak 109"/>
+            <p:cNvSpPr txBox="1"/>
+            <p:nvPr/>
+          </p:nvSpPr>
+          <p:spPr>
+            <a:xfrm>
+              <a:off x="3861303" y="4682728"/>
+              <a:ext cx="381836" cy="369332"/>
+            </a:xfrm>
+            <a:prstGeom prst="rect">
+              <a:avLst/>
+            </a:prstGeom>
+            <a:noFill/>
+          </p:spPr>
+          <p:txBody>
+            <a:bodyPr wrap="none" rtlCol="0">
+              <a:spAutoFit/>
+            </a:bodyPr>
+            <a:lstStyle/>
+            <a:p>
+              <a:r>
+                <a:rPr lang="en-US" dirty="0"/>
+                <a:t>S</a:t>
+              </a:r>
+              <a:r>
+                <a:rPr lang="en-US" sz="1400" dirty="0"/>
+                <a:t>3</a:t>
+              </a:r>
+              <a:endParaRPr lang="en-GB" dirty="0"/>
+            </a:p>
+          </p:txBody>
+        </p:sp>
+        <p:sp>
+          <p:nvSpPr>
+            <p:cNvPr id="111" name="Tekstvak 110"/>
+            <p:cNvSpPr txBox="1"/>
+            <p:nvPr/>
+          </p:nvSpPr>
+          <p:spPr>
+            <a:xfrm>
+              <a:off x="4508406" y="4691219"/>
+              <a:ext cx="381836" cy="369332"/>
+            </a:xfrm>
+            <a:prstGeom prst="rect">
+              <a:avLst/>
+            </a:prstGeom>
+            <a:noFill/>
+          </p:spPr>
+          <p:txBody>
+            <a:bodyPr wrap="none" rtlCol="0">
+              <a:spAutoFit/>
+            </a:bodyPr>
+            <a:lstStyle/>
+            <a:p>
+              <a:r>
+                <a:rPr lang="en-US" dirty="0"/>
+                <a:t>S</a:t>
+              </a:r>
+              <a:r>
+                <a:rPr lang="en-US" sz="1400" dirty="0"/>
+                <a:t>4</a:t>
+              </a:r>
+              <a:endParaRPr lang="en-GB" dirty="0"/>
+            </a:p>
+          </p:txBody>
+        </p:sp>
+        <p:sp>
+          <p:nvSpPr>
+            <p:cNvPr id="112" name="Tekstvak 111"/>
+            <p:cNvSpPr txBox="1"/>
+            <p:nvPr/>
+          </p:nvSpPr>
+          <p:spPr>
+            <a:xfrm>
+              <a:off x="8274382" y="4677303"/>
+              <a:ext cx="473206" cy="369332"/>
+            </a:xfrm>
+            <a:prstGeom prst="rect">
+              <a:avLst/>
+            </a:prstGeom>
+            <a:noFill/>
+          </p:spPr>
+          <p:txBody>
+            <a:bodyPr wrap="none" rtlCol="0">
+              <a:spAutoFit/>
+            </a:bodyPr>
+            <a:lstStyle/>
+            <a:p>
+              <a:r>
+                <a:rPr lang="en-US" dirty="0"/>
+                <a:t>S</a:t>
+              </a:r>
+              <a:r>
+                <a:rPr lang="en-US" sz="1400" dirty="0"/>
+                <a:t>10</a:t>
+              </a:r>
+              <a:endParaRPr lang="en-GB" dirty="0"/>
+            </a:p>
+          </p:txBody>
+        </p:sp>
+        <p:sp>
+          <p:nvSpPr>
+            <p:cNvPr id="113" name="Tekstvak 112"/>
+            <p:cNvSpPr txBox="1"/>
+            <p:nvPr/>
+          </p:nvSpPr>
+          <p:spPr>
+            <a:xfrm>
+              <a:off x="5081160" y="4675969"/>
+              <a:ext cx="381836" cy="369332"/>
+            </a:xfrm>
+            <a:prstGeom prst="rect">
+              <a:avLst/>
+            </a:prstGeom>
+            <a:noFill/>
+          </p:spPr>
+          <p:txBody>
+            <a:bodyPr wrap="none" rtlCol="0">
+              <a:spAutoFit/>
+            </a:bodyPr>
+            <a:lstStyle/>
+            <a:p>
+              <a:r>
+                <a:rPr lang="en-US" dirty="0"/>
+                <a:t>S</a:t>
+              </a:r>
+              <a:r>
+                <a:rPr lang="en-US" sz="1400" dirty="0"/>
+                <a:t>5</a:t>
+              </a:r>
+              <a:endParaRPr lang="en-GB" dirty="0"/>
+            </a:p>
+          </p:txBody>
+        </p:sp>
+        <p:sp>
+          <p:nvSpPr>
+            <p:cNvPr id="114" name="Tekstvak 113"/>
+            <p:cNvSpPr txBox="1"/>
+            <p:nvPr/>
+          </p:nvSpPr>
+          <p:spPr>
+            <a:xfrm>
+              <a:off x="5742690" y="4675969"/>
+              <a:ext cx="381836" cy="369332"/>
+            </a:xfrm>
+            <a:prstGeom prst="rect">
+              <a:avLst/>
+            </a:prstGeom>
+            <a:noFill/>
+          </p:spPr>
+          <p:txBody>
+            <a:bodyPr wrap="none" rtlCol="0">
+              <a:spAutoFit/>
+            </a:bodyPr>
+            <a:lstStyle/>
+            <a:p>
+              <a:r>
+                <a:rPr lang="en-US" dirty="0"/>
+                <a:t>S</a:t>
+              </a:r>
+              <a:r>
+                <a:rPr lang="en-US" sz="1400" dirty="0"/>
+                <a:t>6</a:t>
+              </a:r>
+              <a:endParaRPr lang="en-GB" dirty="0"/>
+            </a:p>
+          </p:txBody>
+        </p:sp>
+        <p:sp>
+          <p:nvSpPr>
+            <p:cNvPr id="115" name="Tekstvak 114"/>
+            <p:cNvSpPr txBox="1"/>
+            <p:nvPr/>
+          </p:nvSpPr>
+          <p:spPr>
+            <a:xfrm>
+              <a:off x="6362909" y="4691219"/>
+              <a:ext cx="381836" cy="369332"/>
+            </a:xfrm>
+            <a:prstGeom prst="rect">
+              <a:avLst/>
+            </a:prstGeom>
+            <a:noFill/>
+          </p:spPr>
+          <p:txBody>
+            <a:bodyPr wrap="none" rtlCol="0">
+              <a:spAutoFit/>
+            </a:bodyPr>
+            <a:lstStyle/>
+            <a:p>
+              <a:r>
+                <a:rPr lang="en-US" dirty="0"/>
+                <a:t>S</a:t>
+              </a:r>
+              <a:r>
+                <a:rPr lang="en-US" sz="1400" dirty="0"/>
+                <a:t>7</a:t>
+              </a:r>
+              <a:endParaRPr lang="en-GB" dirty="0"/>
+            </a:p>
+          </p:txBody>
+        </p:sp>
+        <p:sp>
+          <p:nvSpPr>
+            <p:cNvPr id="116" name="Tekstvak 115"/>
+            <p:cNvSpPr txBox="1"/>
+            <p:nvPr/>
+          </p:nvSpPr>
+          <p:spPr>
+            <a:xfrm>
+              <a:off x="6966817" y="4675969"/>
+              <a:ext cx="381836" cy="369332"/>
+            </a:xfrm>
+            <a:prstGeom prst="rect">
+              <a:avLst/>
+            </a:prstGeom>
+            <a:noFill/>
+          </p:spPr>
+          <p:txBody>
+            <a:bodyPr wrap="none" rtlCol="0">
+              <a:spAutoFit/>
+            </a:bodyPr>
+            <a:lstStyle/>
+            <a:p>
+              <a:r>
+                <a:rPr lang="en-US" dirty="0"/>
+                <a:t>S</a:t>
+              </a:r>
+              <a:r>
+                <a:rPr lang="en-US" sz="1400" dirty="0"/>
+                <a:t>8</a:t>
+              </a:r>
+              <a:endParaRPr lang="en-GB" dirty="0"/>
+            </a:p>
+          </p:txBody>
+        </p:sp>
+        <p:sp>
+          <p:nvSpPr>
+            <p:cNvPr id="117" name="Tekstvak 116"/>
+            <p:cNvSpPr txBox="1"/>
+            <p:nvPr/>
+          </p:nvSpPr>
+          <p:spPr>
+            <a:xfrm>
+              <a:off x="7636307" y="4691219"/>
+              <a:ext cx="381836" cy="369332"/>
+            </a:xfrm>
+            <a:prstGeom prst="rect">
+              <a:avLst/>
+            </a:prstGeom>
+            <a:noFill/>
+          </p:spPr>
+          <p:txBody>
+            <a:bodyPr wrap="none" rtlCol="0">
+              <a:spAutoFit/>
+            </a:bodyPr>
+            <a:lstStyle/>
+            <a:p>
+              <a:r>
+                <a:rPr lang="en-US" dirty="0"/>
+                <a:t>S</a:t>
+              </a:r>
+              <a:r>
+                <a:rPr lang="en-US" sz="1400" dirty="0"/>
+                <a:t>9</a:t>
+              </a:r>
+              <a:endParaRPr lang="en-GB" dirty="0"/>
+            </a:p>
+          </p:txBody>
+        </p:sp>
+        <p:sp>
+          <p:nvSpPr>
+            <p:cNvPr id="118" name="Tekstvak 117"/>
+            <p:cNvSpPr txBox="1"/>
+            <p:nvPr/>
+          </p:nvSpPr>
+          <p:spPr>
+            <a:xfrm>
+              <a:off x="1861637" y="3524797"/>
+              <a:ext cx="381836" cy="369332"/>
+            </a:xfrm>
+            <a:prstGeom prst="rect">
+              <a:avLst/>
+            </a:prstGeom>
+            <a:noFill/>
+          </p:spPr>
+          <p:txBody>
+            <a:bodyPr wrap="none" rtlCol="0">
+              <a:spAutoFit/>
+            </a:bodyPr>
+            <a:lstStyle/>
+            <a:p>
+              <a:r>
+                <a:rPr lang="en-US" dirty="0"/>
+                <a:t>S</a:t>
+              </a:r>
+              <a:r>
+                <a:rPr lang="en-US" sz="1400" dirty="0"/>
+                <a:t>0</a:t>
+              </a:r>
+              <a:endParaRPr lang="en-GB" dirty="0"/>
+            </a:p>
+          </p:txBody>
+        </p:sp>
+        <p:cxnSp>
+          <p:nvCxnSpPr>
+            <p:cNvPr id="119" name="Rechte verbindingslijn met pijl 118"/>
+            <p:cNvCxnSpPr>
+              <a:cxnSpLocks/>
+            </p:cNvCxnSpPr>
+            <p:nvPr/>
+          </p:nvCxnSpPr>
+          <p:spPr>
+            <a:xfrm>
+              <a:off x="2210952" y="3729944"/>
+              <a:ext cx="341612" cy="1003"/>
+            </a:xfrm>
+            <a:prstGeom prst="straightConnector1">
+              <a:avLst/>
+            </a:prstGeom>
+            <a:ln w="28575">
+              <a:solidFill>
+                <a:schemeClr val="tx1"/>
+              </a:solidFill>
+              <a:tailEnd type="triangle"/>
+            </a:ln>
+          </p:spPr>
+          <p:style>
+            <a:lnRef idx="1">
+              <a:schemeClr val="dk1"/>
+            </a:lnRef>
+            <a:fillRef idx="0">
+              <a:schemeClr val="dk1"/>
+            </a:fillRef>
+            <a:effectRef idx="0">
+              <a:schemeClr val="dk1"/>
+            </a:effectRef>
+            <a:fontRef idx="minor">
+              <a:schemeClr val="tx1"/>
+            </a:fontRef>
+          </p:style>
+        </p:cxnSp>
+        <p:sp>
+          <p:nvSpPr>
+            <p:cNvPr id="120" name="Tekstvak 119"/>
+            <p:cNvSpPr txBox="1"/>
+            <p:nvPr/>
+          </p:nvSpPr>
+          <p:spPr>
+            <a:xfrm>
+              <a:off x="1221189" y="3739237"/>
+              <a:ext cx="1310872" cy="276999"/>
+            </a:xfrm>
+            <a:prstGeom prst="rect">
+              <a:avLst/>
+            </a:prstGeom>
+            <a:noFill/>
+          </p:spPr>
+          <p:txBody>
+            <a:bodyPr wrap="none" rtlCol="0">
+              <a:spAutoFit/>
+            </a:bodyPr>
+            <a:lstStyle/>
+            <a:p>
+              <a:r>
+                <a:rPr lang="en-US" sz="1200" dirty="0"/>
+                <a:t>(empty sequence)</a:t>
+              </a:r>
+              <a:endParaRPr lang="en-GB" sz="1200" dirty="0"/>
+            </a:p>
+          </p:txBody>
+        </p:sp>
+        <p:sp>
+          <p:nvSpPr>
+            <p:cNvPr id="121" name="Rechteraccolade 120"/>
+            <p:cNvSpPr/>
+            <p:nvPr/>
+          </p:nvSpPr>
+          <p:spPr>
+            <a:xfrm>
+              <a:off x="8813008" y="2762562"/>
+              <a:ext cx="243229" cy="2259952"/>
+            </a:xfrm>
+            <a:prstGeom prst="rightBrace">
+              <a:avLst/>
+            </a:prstGeom>
+          </p:spPr>
+          <p:style>
+            <a:lnRef idx="1">
+              <a:schemeClr val="dk1"/>
+            </a:lnRef>
+            <a:fillRef idx="0">
+              <a:schemeClr val="dk1"/>
+            </a:fillRef>
+            <a:effectRef idx="0">
+              <a:schemeClr val="dk1"/>
+            </a:effectRef>
+            <a:fontRef idx="minor">
+              <a:schemeClr val="tx1"/>
+            </a:fontRef>
+          </p:style>
+          <p:txBody>
+            <a:bodyPr rtlCol="0" anchor="ctr"/>
+            <a:lstStyle/>
+            <a:p>
+              <a:pPr algn="ctr"/>
+              <a:endParaRPr lang="en-GB"/>
+            </a:p>
+          </p:txBody>
+        </p:sp>
+        <p:sp>
+          <p:nvSpPr>
+            <p:cNvPr id="122" name="Tekstvak 121"/>
+            <p:cNvSpPr txBox="1"/>
+            <p:nvPr/>
+          </p:nvSpPr>
+          <p:spPr>
+            <a:xfrm>
+              <a:off x="9118718" y="3707872"/>
+              <a:ext cx="3135730" cy="369332"/>
+            </a:xfrm>
+            <a:prstGeom prst="rect">
+              <a:avLst/>
+            </a:prstGeom>
+            <a:noFill/>
+          </p:spPr>
+          <p:txBody>
+            <a:bodyPr wrap="none" rtlCol="0">
+              <a:spAutoFit/>
+            </a:bodyPr>
+            <a:lstStyle/>
+            <a:p>
+              <a:r>
+                <a:rPr lang="en-US" dirty="0"/>
+                <a:t>RNN: create sequence of words</a:t>
+              </a:r>
+              <a:endParaRPr lang="en-GB" dirty="0"/>
+            </a:p>
+          </p:txBody>
+        </p:sp>
+      </p:grpSp>
+    </p:spTree>
+    <p:extLst>
+      <p:ext uri="{BB962C8B-B14F-4D97-AF65-F5344CB8AC3E}">
+        <p14:creationId xmlns:p14="http://schemas.microsoft.com/office/powerpoint/2010/main" val="1919855871"/>
+      </p:ext>
+    </p:extLst>
+  </p:cSld>
+  <p:clrMapOvr>
+    <a:masterClrMapping/>
+  </p:clrMapOvr>
+</p:sld>
+</file>
+
+<file path=ppt/slides/slide3.xml><?xml version="1.0" encoding="utf-8"?>
+<p:sld xmlns:a="http://schemas.openxmlformats.org/drawingml/2006/main" xmlns:r="http://schemas.openxmlformats.org/officeDocument/2006/relationships" xmlns:p="http://schemas.openxmlformats.org/presentationml/2006/main">
+  <p:cSld>
+    <p:spTree>
+      <p:nvGrpSpPr>
+        <p:cNvPr id="1" name=""/>
+        <p:cNvGrpSpPr/>
+        <p:nvPr/>
+      </p:nvGrpSpPr>
+      <p:grpSpPr>
+        <a:xfrm>
+          <a:off x="0" y="0"/>
+          <a:ext cx="0" cy="0"/>
+          <a:chOff x="0" y="0"/>
+          <a:chExt cx="0" cy="0"/>
+        </a:xfrm>
+      </p:grpSpPr>
+    </p:spTree>
+    <p:extLst>
+      <p:ext uri="{BB962C8B-B14F-4D97-AF65-F5344CB8AC3E}">
+        <p14:creationId xmlns:p14="http://schemas.microsoft.com/office/powerpoint/2010/main" val="3097718874"/>
+      </p:ext>
+    </p:extLst>
+  </p:cSld>
+  <p:clrMapOvr>
+    <a:masterClrMapping/>
+  </p:clrMapOvr>
+</p:sld>
+</file>
+
 <file path=ppt/theme/theme1.xml><?xml version="1.0" encoding="utf-8"?>
 <a:theme xmlns:a="http://schemas.openxmlformats.org/drawingml/2006/main" name="Kantoorthema">
   <a:themeElements>
